--- a/SpMVC_LETTERBUNKER/src/main/webapp/resources/letter bunker.pptx
+++ b/SpMVC_LETTERBUNKER/src/main/webapp/resources/letter bunker.pptx
@@ -9,6 +9,7 @@
     <p:sldId id="259" r:id="rId3"/>
     <p:sldId id="256" r:id="rId4"/>
     <p:sldId id="257" r:id="rId5"/>
+    <p:sldId id="260" r:id="rId6"/>
   </p:sldIdLst>
   <p:sldSz cx="12192000" cy="6858000"/>
   <p:notesSz cx="6858000" cy="9144000"/>
@@ -107,6 +108,11 @@
       </a:defRPr>
     </a:lvl9pPr>
   </p:defaultTextStyle>
+  <p:extLst>
+    <p:ext uri="{EFAFB233-063F-42B5-8137-9DF3F51BA10A}">
+      <p15:sldGuideLst xmlns:p15="http://schemas.microsoft.com/office/powerpoint/2012/main"/>
+    </p:ext>
+  </p:extLst>
 </p:presentation>
 </file>
 
@@ -241,7 +247,7 @@
           <a:p>
             <a:fld id="{93CA316E-54B0-41A6-BD02-894A0F1C35C7}" type="datetimeFigureOut">
               <a:rPr lang="ko-KR" altLang="en-US" smtClean="0"/>
-              <a:t>2022-08-11</a:t>
+              <a:t>2022-08-12</a:t>
             </a:fld>
             <a:endParaRPr lang="ko-KR" altLang="en-US"/>
           </a:p>
@@ -411,7 +417,7 @@
           <a:p>
             <a:fld id="{93CA316E-54B0-41A6-BD02-894A0F1C35C7}" type="datetimeFigureOut">
               <a:rPr lang="ko-KR" altLang="en-US" smtClean="0"/>
-              <a:t>2022-08-11</a:t>
+              <a:t>2022-08-12</a:t>
             </a:fld>
             <a:endParaRPr lang="ko-KR" altLang="en-US"/>
           </a:p>
@@ -591,7 +597,7 @@
           <a:p>
             <a:fld id="{93CA316E-54B0-41A6-BD02-894A0F1C35C7}" type="datetimeFigureOut">
               <a:rPr lang="ko-KR" altLang="en-US" smtClean="0"/>
-              <a:t>2022-08-11</a:t>
+              <a:t>2022-08-12</a:t>
             </a:fld>
             <a:endParaRPr lang="ko-KR" altLang="en-US"/>
           </a:p>
@@ -761,7 +767,7 @@
           <a:p>
             <a:fld id="{93CA316E-54B0-41A6-BD02-894A0F1C35C7}" type="datetimeFigureOut">
               <a:rPr lang="ko-KR" altLang="en-US" smtClean="0"/>
-              <a:t>2022-08-11</a:t>
+              <a:t>2022-08-12</a:t>
             </a:fld>
             <a:endParaRPr lang="ko-KR" altLang="en-US"/>
           </a:p>
@@ -1007,7 +1013,7 @@
           <a:p>
             <a:fld id="{93CA316E-54B0-41A6-BD02-894A0F1C35C7}" type="datetimeFigureOut">
               <a:rPr lang="ko-KR" altLang="en-US" smtClean="0"/>
-              <a:t>2022-08-11</a:t>
+              <a:t>2022-08-12</a:t>
             </a:fld>
             <a:endParaRPr lang="ko-KR" altLang="en-US"/>
           </a:p>
@@ -1239,7 +1245,7 @@
           <a:p>
             <a:fld id="{93CA316E-54B0-41A6-BD02-894A0F1C35C7}" type="datetimeFigureOut">
               <a:rPr lang="ko-KR" altLang="en-US" smtClean="0"/>
-              <a:t>2022-08-11</a:t>
+              <a:t>2022-08-12</a:t>
             </a:fld>
             <a:endParaRPr lang="ko-KR" altLang="en-US"/>
           </a:p>
@@ -1606,7 +1612,7 @@
           <a:p>
             <a:fld id="{93CA316E-54B0-41A6-BD02-894A0F1C35C7}" type="datetimeFigureOut">
               <a:rPr lang="ko-KR" altLang="en-US" smtClean="0"/>
-              <a:t>2022-08-11</a:t>
+              <a:t>2022-08-12</a:t>
             </a:fld>
             <a:endParaRPr lang="ko-KR" altLang="en-US"/>
           </a:p>
@@ -1724,7 +1730,7 @@
           <a:p>
             <a:fld id="{93CA316E-54B0-41A6-BD02-894A0F1C35C7}" type="datetimeFigureOut">
               <a:rPr lang="ko-KR" altLang="en-US" smtClean="0"/>
-              <a:t>2022-08-11</a:t>
+              <a:t>2022-08-12</a:t>
             </a:fld>
             <a:endParaRPr lang="ko-KR" altLang="en-US"/>
           </a:p>
@@ -1819,7 +1825,7 @@
           <a:p>
             <a:fld id="{93CA316E-54B0-41A6-BD02-894A0F1C35C7}" type="datetimeFigureOut">
               <a:rPr lang="ko-KR" altLang="en-US" smtClean="0"/>
-              <a:t>2022-08-11</a:t>
+              <a:t>2022-08-12</a:t>
             </a:fld>
             <a:endParaRPr lang="ko-KR" altLang="en-US"/>
           </a:p>
@@ -2096,7 +2102,7 @@
           <a:p>
             <a:fld id="{93CA316E-54B0-41A6-BD02-894A0F1C35C7}" type="datetimeFigureOut">
               <a:rPr lang="ko-KR" altLang="en-US" smtClean="0"/>
-              <a:t>2022-08-11</a:t>
+              <a:t>2022-08-12</a:t>
             </a:fld>
             <a:endParaRPr lang="ko-KR" altLang="en-US"/>
           </a:p>
@@ -2349,7 +2355,7 @@
           <a:p>
             <a:fld id="{93CA316E-54B0-41A6-BD02-894A0F1C35C7}" type="datetimeFigureOut">
               <a:rPr lang="ko-KR" altLang="en-US" smtClean="0"/>
-              <a:t>2022-08-11</a:t>
+              <a:t>2022-08-12</a:t>
             </a:fld>
             <a:endParaRPr lang="ko-KR" altLang="en-US"/>
           </a:p>
@@ -2565,7 +2571,7 @@
           <a:p>
             <a:fld id="{93CA316E-54B0-41A6-BD02-894A0F1C35C7}" type="datetimeFigureOut">
               <a:rPr lang="ko-KR" altLang="en-US" smtClean="0"/>
-              <a:t>2022-08-11</a:t>
+              <a:t>2022-08-12</a:t>
             </a:fld>
             <a:endParaRPr lang="ko-KR" altLang="en-US"/>
           </a:p>
@@ -4439,6 +4445,199 @@
           </a:p>
         </p:txBody>
       </p:sp>
+      <p:sp>
+        <p:nvSpPr>
+          <p:cNvPr id="2" name="직사각형 1"/>
+          <p:cNvSpPr/>
+          <p:nvPr/>
+        </p:nvSpPr>
+        <p:spPr>
+          <a:xfrm>
+            <a:off x="2785518" y="2452255"/>
+            <a:ext cx="352963" cy="108065"/>
+          </a:xfrm>
+          <a:prstGeom prst="rect">
+            <a:avLst/>
+          </a:prstGeom>
+        </p:spPr>
+        <p:style>
+          <a:lnRef idx="2">
+            <a:schemeClr val="accent4">
+              <a:shade val="50000"/>
+            </a:schemeClr>
+          </a:lnRef>
+          <a:fillRef idx="1">
+            <a:schemeClr val="accent4"/>
+          </a:fillRef>
+          <a:effectRef idx="0">
+            <a:schemeClr val="accent4"/>
+          </a:effectRef>
+          <a:fontRef idx="minor">
+            <a:schemeClr val="lt1"/>
+          </a:fontRef>
+        </p:style>
+        <p:txBody>
+          <a:bodyPr rtlCol="0" anchor="ctr"/>
+          <a:lstStyle/>
+          <a:p>
+            <a:pPr algn="ctr"/>
+            <a:endParaRPr lang="ko-KR" altLang="en-US"/>
+          </a:p>
+        </p:txBody>
+      </p:sp>
+      <p:sp>
+        <p:nvSpPr>
+          <p:cNvPr id="28" name="직사각형 27"/>
+          <p:cNvSpPr/>
+          <p:nvPr/>
+        </p:nvSpPr>
+        <p:spPr>
+          <a:xfrm>
+            <a:off x="3683358" y="2506287"/>
+            <a:ext cx="352963" cy="108065"/>
+          </a:xfrm>
+          <a:prstGeom prst="rect">
+            <a:avLst/>
+          </a:prstGeom>
+        </p:spPr>
+        <p:style>
+          <a:lnRef idx="2">
+            <a:schemeClr val="accent4">
+              <a:shade val="50000"/>
+            </a:schemeClr>
+          </a:lnRef>
+          <a:fillRef idx="1">
+            <a:schemeClr val="accent4"/>
+          </a:fillRef>
+          <a:effectRef idx="0">
+            <a:schemeClr val="accent4"/>
+          </a:effectRef>
+          <a:fontRef idx="minor">
+            <a:schemeClr val="lt1"/>
+          </a:fontRef>
+        </p:style>
+        <p:txBody>
+          <a:bodyPr rtlCol="0" anchor="ctr"/>
+          <a:lstStyle/>
+          <a:p>
+            <a:pPr algn="ctr"/>
+            <a:endParaRPr lang="ko-KR" altLang="en-US"/>
+          </a:p>
+        </p:txBody>
+      </p:sp>
+      <p:sp>
+        <p:nvSpPr>
+          <p:cNvPr id="29" name="직사각형 28"/>
+          <p:cNvSpPr/>
+          <p:nvPr/>
+        </p:nvSpPr>
+        <p:spPr>
+          <a:xfrm>
+            <a:off x="4132278" y="2497974"/>
+            <a:ext cx="352963" cy="108065"/>
+          </a:xfrm>
+          <a:prstGeom prst="rect">
+            <a:avLst/>
+          </a:prstGeom>
+        </p:spPr>
+        <p:style>
+          <a:lnRef idx="2">
+            <a:schemeClr val="accent4">
+              <a:shade val="50000"/>
+            </a:schemeClr>
+          </a:lnRef>
+          <a:fillRef idx="1">
+            <a:schemeClr val="accent4"/>
+          </a:fillRef>
+          <a:effectRef idx="0">
+            <a:schemeClr val="accent4"/>
+          </a:effectRef>
+          <a:fontRef idx="minor">
+            <a:schemeClr val="lt1"/>
+          </a:fontRef>
+        </p:style>
+        <p:txBody>
+          <a:bodyPr rtlCol="0" anchor="ctr"/>
+          <a:lstStyle/>
+          <a:p>
+            <a:pPr algn="ctr"/>
+            <a:endParaRPr lang="ko-KR" altLang="en-US"/>
+          </a:p>
+        </p:txBody>
+      </p:sp>
+      <p:cxnSp>
+        <p:nvCxnSpPr>
+          <p:cNvPr id="6" name="직선 화살표 연결선 5"/>
+          <p:cNvCxnSpPr>
+            <a:endCxn id="9" idx="0"/>
+          </p:cNvCxnSpPr>
+          <p:nvPr/>
+        </p:nvCxnSpPr>
+        <p:spPr>
+          <a:xfrm>
+            <a:off x="2733869" y="1284218"/>
+            <a:ext cx="228131" cy="1065532"/>
+          </a:xfrm>
+          <a:prstGeom prst="straightConnector1">
+            <a:avLst/>
+          </a:prstGeom>
+          <a:ln>
+            <a:tailEnd type="triangle"/>
+          </a:ln>
+        </p:spPr>
+        <p:style>
+          <a:lnRef idx="1">
+            <a:schemeClr val="accent1"/>
+          </a:lnRef>
+          <a:fillRef idx="0">
+            <a:schemeClr val="accent1"/>
+          </a:fillRef>
+          <a:effectRef idx="0">
+            <a:schemeClr val="accent1"/>
+          </a:effectRef>
+          <a:fontRef idx="minor">
+            <a:schemeClr val="tx1"/>
+          </a:fontRef>
+        </p:style>
+      </p:cxnSp>
+      <p:sp>
+        <p:nvSpPr>
+          <p:cNvPr id="30" name="TextBox 29"/>
+          <p:cNvSpPr txBox="1"/>
+          <p:nvPr/>
+        </p:nvSpPr>
+        <p:spPr>
+          <a:xfrm>
+            <a:off x="2179665" y="920103"/>
+            <a:ext cx="1211706" cy="261610"/>
+          </a:xfrm>
+          <a:prstGeom prst="rect">
+            <a:avLst/>
+          </a:prstGeom>
+          <a:noFill/>
+        </p:spPr>
+        <p:txBody>
+          <a:bodyPr wrap="square" rtlCol="0">
+            <a:spAutoFit/>
+          </a:bodyPr>
+          <a:lstStyle/>
+          <a:p>
+            <a:r>
+              <a:rPr lang="ko-KR" altLang="en-US" sz="1100" smtClean="0">
+                <a:solidFill>
+                  <a:schemeClr val="accent2"/>
+                </a:solidFill>
+              </a:rPr>
+              <a:t>다 읽은 책 표시</a:t>
+            </a:r>
+            <a:endParaRPr lang="ko-KR" altLang="en-US" sz="1100" dirty="0">
+              <a:solidFill>
+                <a:schemeClr val="accent2"/>
+              </a:solidFill>
+            </a:endParaRPr>
+          </a:p>
+        </p:txBody>
+      </p:sp>
     </p:spTree>
     <p:extLst>
       <p:ext uri="{BB962C8B-B14F-4D97-AF65-F5344CB8AC3E}">
@@ -5243,8 +5442,8 @@
         </p:nvSpPr>
         <p:spPr>
           <a:xfrm>
-            <a:off x="1126763" y="2146042"/>
-            <a:ext cx="1259346" cy="600164"/>
+            <a:off x="487570" y="2162462"/>
+            <a:ext cx="1259346" cy="1785104"/>
           </a:xfrm>
           <a:prstGeom prst="rect">
             <a:avLst/>
@@ -5289,9 +5488,93 @@
                   <a:srgbClr val="FFFF00"/>
                 </a:solidFill>
               </a:rPr>
-              <a:t>b_name</a:t>
-            </a:r>
-            <a:endParaRPr lang="en-US" altLang="ko-KR" sz="1100" dirty="0" smtClean="0">
+              <a:t>Seq</a:t>
+            </a:r>
+            <a:r>
+              <a:rPr lang="en-US" altLang="ko-KR" sz="1100" dirty="0" smtClean="0">
+                <a:solidFill>
+                  <a:srgbClr val="FFFF00"/>
+                </a:solidFill>
+              </a:rPr>
+              <a:t>,</a:t>
+            </a:r>
+          </a:p>
+          <a:p>
+            <a:r>
+              <a:rPr lang="en-US" altLang="ko-KR" sz="1100" dirty="0" smtClean="0">
+                <a:solidFill>
+                  <a:srgbClr val="FFFF00"/>
+                </a:solidFill>
+              </a:rPr>
+              <a:t>Title,</a:t>
+            </a:r>
+          </a:p>
+          <a:p>
+            <a:r>
+              <a:rPr lang="en-US" altLang="ko-KR" sz="1100" dirty="0" smtClean="0">
+                <a:solidFill>
+                  <a:srgbClr val="FFFF00"/>
+                </a:solidFill>
+              </a:rPr>
+              <a:t>Author,</a:t>
+            </a:r>
+          </a:p>
+          <a:p>
+            <a:r>
+              <a:rPr lang="en-US" altLang="ko-KR" sz="1100" dirty="0" smtClean="0">
+                <a:solidFill>
+                  <a:srgbClr val="FFFF00"/>
+                </a:solidFill>
+              </a:rPr>
+              <a:t>Publisher,</a:t>
+            </a:r>
+          </a:p>
+          <a:p>
+            <a:r>
+              <a:rPr lang="en-US" altLang="ko-KR" sz="1100" dirty="0" smtClean="0">
+                <a:solidFill>
+                  <a:srgbClr val="FFFF00"/>
+                </a:solidFill>
+              </a:rPr>
+              <a:t>Price,</a:t>
+            </a:r>
+          </a:p>
+          <a:p>
+            <a:r>
+              <a:rPr lang="en-US" altLang="ko-KR" sz="1100" dirty="0" err="1" smtClean="0">
+                <a:solidFill>
+                  <a:srgbClr val="FFFF00"/>
+                </a:solidFill>
+              </a:rPr>
+              <a:t>Pubdate</a:t>
+            </a:r>
+            <a:r>
+              <a:rPr lang="en-US" altLang="ko-KR" sz="1100" dirty="0" smtClean="0">
+                <a:solidFill>
+                  <a:srgbClr val="FFFF00"/>
+                </a:solidFill>
+              </a:rPr>
+              <a:t>,</a:t>
+            </a:r>
+          </a:p>
+          <a:p>
+            <a:r>
+              <a:rPr lang="en-US" altLang="ko-KR" sz="1100" dirty="0" err="1" smtClean="0">
+                <a:solidFill>
+                  <a:srgbClr val="FFFF00"/>
+                </a:solidFill>
+              </a:rPr>
+              <a:t>Isbn</a:t>
+            </a:r>
+            <a:r>
+              <a:rPr lang="en-US" altLang="ko-KR" sz="1100" dirty="0" smtClean="0">
+                <a:solidFill>
+                  <a:srgbClr val="FFFF00"/>
+                </a:solidFill>
+              </a:rPr>
+              <a:t>,</a:t>
+            </a:r>
+            <a:endParaRPr lang="en-US" altLang="ko-KR" sz="1100" dirty="0">
               <a:solidFill>
                 <a:srgbClr val="FFFF00"/>
               </a:solidFill>
@@ -5299,18 +5582,23 @@
           </a:p>
           <a:p>
             <a:r>
-              <a:rPr lang="en-US" altLang="ko-KR" sz="1100" dirty="0" err="1" smtClean="0">
+              <a:rPr lang="en-US" altLang="ko-KR" sz="1100" dirty="0" smtClean="0">
                 <a:solidFill>
                   <a:srgbClr val="FFFF00"/>
                 </a:solidFill>
               </a:rPr>
-              <a:t>b_seq</a:t>
-            </a:r>
-            <a:endParaRPr lang="ko-KR" altLang="en-US" sz="1100" dirty="0">
-              <a:solidFill>
-                <a:srgbClr val="FFFF00"/>
-              </a:solidFill>
-            </a:endParaRPr>
+              <a:t>Description,</a:t>
+            </a:r>
+          </a:p>
+          <a:p>
+            <a:r>
+              <a:rPr lang="en-US" altLang="ko-KR" sz="1100" dirty="0" smtClean="0">
+                <a:solidFill>
+                  <a:srgbClr val="FFFF00"/>
+                </a:solidFill>
+              </a:rPr>
+              <a:t>comp</a:t>
+            </a:r>
           </a:p>
         </p:txBody>
       </p:sp>
@@ -5436,6 +5724,707 @@
                 <a:schemeClr val="accent2"/>
               </a:solidFill>
             </a:endParaRPr>
+          </a:p>
+        </p:txBody>
+      </p:sp>
+      <p:sp>
+        <p:nvSpPr>
+          <p:cNvPr id="3" name="TextBox 2"/>
+          <p:cNvSpPr txBox="1"/>
+          <p:nvPr/>
+        </p:nvSpPr>
+        <p:spPr>
+          <a:xfrm>
+            <a:off x="3126025" y="2728919"/>
+            <a:ext cx="2693520" cy="369332"/>
+          </a:xfrm>
+          <a:prstGeom prst="rect">
+            <a:avLst/>
+          </a:prstGeom>
+          <a:noFill/>
+        </p:spPr>
+        <p:txBody>
+          <a:bodyPr wrap="square" rtlCol="0">
+            <a:spAutoFit/>
+          </a:bodyPr>
+          <a:lstStyle/>
+          <a:p>
+            <a:r>
+              <a:rPr lang="ko-KR" altLang="en-US" dirty="0" smtClean="0"/>
+              <a:t>책 제목 </a:t>
+            </a:r>
+            <a:r>
+              <a:rPr lang="en-US" altLang="ko-KR" dirty="0" smtClean="0"/>
+              <a:t>/////////////////</a:t>
+            </a:r>
+            <a:endParaRPr lang="ko-KR" altLang="en-US" dirty="0"/>
+          </a:p>
+        </p:txBody>
+      </p:sp>
+      <p:sp>
+        <p:nvSpPr>
+          <p:cNvPr id="6" name="직사각형 5"/>
+          <p:cNvSpPr/>
+          <p:nvPr/>
+        </p:nvSpPr>
+        <p:spPr>
+          <a:xfrm>
+            <a:off x="6315194" y="1728676"/>
+            <a:ext cx="557174" cy="1433735"/>
+          </a:xfrm>
+          <a:prstGeom prst="rect">
+            <a:avLst/>
+          </a:prstGeom>
+        </p:spPr>
+        <p:style>
+          <a:lnRef idx="2">
+            <a:schemeClr val="accent1">
+              <a:shade val="50000"/>
+            </a:schemeClr>
+          </a:lnRef>
+          <a:fillRef idx="1">
+            <a:schemeClr val="accent1"/>
+          </a:fillRef>
+          <a:effectRef idx="0">
+            <a:schemeClr val="accent1"/>
+          </a:effectRef>
+          <a:fontRef idx="minor">
+            <a:schemeClr val="lt1"/>
+          </a:fontRef>
+        </p:style>
+        <p:txBody>
+          <a:bodyPr rtlCol="0" anchor="ctr"/>
+          <a:lstStyle/>
+          <a:p>
+            <a:pPr algn="ctr"/>
+            <a:endParaRPr lang="ko-KR" altLang="en-US"/>
+          </a:p>
+        </p:txBody>
+      </p:sp>
+      <p:sp>
+        <p:nvSpPr>
+          <p:cNvPr id="29" name="TextBox 28"/>
+          <p:cNvSpPr txBox="1"/>
+          <p:nvPr/>
+        </p:nvSpPr>
+        <p:spPr>
+          <a:xfrm>
+            <a:off x="6348027" y="2416983"/>
+            <a:ext cx="2187880" cy="600164"/>
+          </a:xfrm>
+          <a:prstGeom prst="rect">
+            <a:avLst/>
+          </a:prstGeom>
+          <a:noFill/>
+        </p:spPr>
+        <p:txBody>
+          <a:bodyPr wrap="square" rtlCol="0">
+            <a:spAutoFit/>
+          </a:bodyPr>
+          <a:lstStyle/>
+          <a:p>
+            <a:r>
+              <a:rPr lang="ko-KR" altLang="en-US" sz="1100" dirty="0" smtClean="0">
+                <a:solidFill>
+                  <a:schemeClr val="accent2"/>
+                </a:solidFill>
+                <a:effectLst>
+                  <a:outerShdw blurRad="50800" dist="38100" dir="2700000" algn="tl" rotWithShape="0">
+                    <a:prstClr val="black">
+                      <a:alpha val="40000"/>
+                    </a:prstClr>
+                  </a:outerShdw>
+                </a:effectLst>
+              </a:rPr>
+              <a:t>덜 읽은 책만 보임</a:t>
+            </a:r>
+            <a:r>
+              <a:rPr lang="en-US" altLang="ko-KR" sz="1100" dirty="0" smtClean="0">
+                <a:solidFill>
+                  <a:schemeClr val="accent2"/>
+                </a:solidFill>
+                <a:effectLst>
+                  <a:outerShdw blurRad="50800" dist="38100" dir="2700000" algn="tl" rotWithShape="0">
+                    <a:prstClr val="black">
+                      <a:alpha val="40000"/>
+                    </a:prstClr>
+                  </a:outerShdw>
+                </a:effectLst>
+              </a:rPr>
+              <a:t>(</a:t>
+            </a:r>
+            <a:r>
+              <a:rPr lang="ko-KR" altLang="en-US" sz="1100" dirty="0" smtClean="0">
+                <a:solidFill>
+                  <a:schemeClr val="accent2"/>
+                </a:solidFill>
+                <a:effectLst>
+                  <a:outerShdw blurRad="50800" dist="38100" dir="2700000" algn="tl" rotWithShape="0">
+                    <a:prstClr val="black">
+                      <a:alpha val="40000"/>
+                    </a:prstClr>
+                  </a:outerShdw>
+                </a:effectLst>
+              </a:rPr>
+              <a:t>책갈피</a:t>
+            </a:r>
+            <a:r>
+              <a:rPr lang="en-US" altLang="ko-KR" sz="1100" dirty="0" smtClean="0">
+                <a:solidFill>
+                  <a:schemeClr val="accent2"/>
+                </a:solidFill>
+                <a:effectLst>
+                  <a:outerShdw blurRad="50800" dist="38100" dir="2700000" algn="tl" rotWithShape="0">
+                    <a:prstClr val="black">
+                      <a:alpha val="40000"/>
+                    </a:prstClr>
+                  </a:outerShdw>
+                </a:effectLst>
+              </a:rPr>
+              <a:t>)</a:t>
+            </a:r>
+          </a:p>
+          <a:p>
+            <a:r>
+              <a:rPr lang="ko-KR" altLang="en-US" sz="1100" dirty="0" smtClean="0">
+                <a:solidFill>
+                  <a:schemeClr val="accent2"/>
+                </a:solidFill>
+                <a:effectLst>
+                  <a:outerShdw blurRad="50800" dist="38100" dir="2700000" algn="tl" rotWithShape="0">
+                    <a:prstClr val="black">
+                      <a:alpha val="40000"/>
+                    </a:prstClr>
+                  </a:outerShdw>
+                </a:effectLst>
+              </a:rPr>
+              <a:t>책갈피 이미지 고민해보기</a:t>
+            </a:r>
+            <a:endParaRPr lang="en-US" altLang="ko-KR" sz="1100" dirty="0" smtClean="0">
+              <a:solidFill>
+                <a:schemeClr val="accent2"/>
+              </a:solidFill>
+              <a:effectLst>
+                <a:outerShdw blurRad="50800" dist="38100" dir="2700000" algn="tl" rotWithShape="0">
+                  <a:prstClr val="black">
+                    <a:alpha val="40000"/>
+                  </a:prstClr>
+                </a:outerShdw>
+              </a:effectLst>
+            </a:endParaRPr>
+          </a:p>
+          <a:p>
+            <a:endParaRPr lang="ko-KR" altLang="en-US" sz="1100" dirty="0">
+              <a:solidFill>
+                <a:schemeClr val="accent2"/>
+              </a:solidFill>
+              <a:effectLst>
+                <a:outerShdw blurRad="50800" dist="38100" dir="2700000" algn="tl" rotWithShape="0">
+                  <a:prstClr val="black">
+                    <a:alpha val="40000"/>
+                  </a:prstClr>
+                </a:outerShdw>
+              </a:effectLst>
+            </a:endParaRPr>
+          </a:p>
+        </p:txBody>
+      </p:sp>
+      <p:sp>
+        <p:nvSpPr>
+          <p:cNvPr id="8" name="TextBox 7"/>
+          <p:cNvSpPr txBox="1"/>
+          <p:nvPr/>
+        </p:nvSpPr>
+        <p:spPr>
+          <a:xfrm>
+            <a:off x="4806238" y="3276590"/>
+            <a:ext cx="1065299" cy="253916"/>
+          </a:xfrm>
+          <a:prstGeom prst="rect">
+            <a:avLst/>
+          </a:prstGeom>
+          <a:noFill/>
+        </p:spPr>
+        <p:txBody>
+          <a:bodyPr wrap="square" rtlCol="0">
+            <a:spAutoFit/>
+          </a:bodyPr>
+          <a:lstStyle/>
+          <a:p>
+            <a:pPr algn="r"/>
+            <a:r>
+              <a:rPr lang="ko-KR" altLang="en-US" sz="1050" dirty="0" smtClean="0"/>
+              <a:t>작가 </a:t>
+            </a:r>
+            <a:r>
+              <a:rPr lang="en-US" altLang="ko-KR" sz="1050" dirty="0" smtClean="0"/>
+              <a:t>/ </a:t>
+            </a:r>
+            <a:r>
+              <a:rPr lang="ko-KR" altLang="en-US" sz="1050" dirty="0" smtClean="0"/>
+              <a:t>출판사</a:t>
+            </a:r>
+            <a:endParaRPr lang="ko-KR" altLang="en-US" sz="1050" dirty="0"/>
+          </a:p>
+        </p:txBody>
+      </p:sp>
+      <p:sp>
+        <p:nvSpPr>
+          <p:cNvPr id="30" name="TextBox 29"/>
+          <p:cNvSpPr txBox="1"/>
+          <p:nvPr/>
+        </p:nvSpPr>
+        <p:spPr>
+          <a:xfrm>
+            <a:off x="7958756" y="6424532"/>
+            <a:ext cx="1065299" cy="261610"/>
+          </a:xfrm>
+          <a:prstGeom prst="rect">
+            <a:avLst/>
+          </a:prstGeom>
+          <a:noFill/>
+        </p:spPr>
+        <p:txBody>
+          <a:bodyPr wrap="square" rtlCol="0">
+            <a:spAutoFit/>
+          </a:bodyPr>
+          <a:lstStyle/>
+          <a:p>
+            <a:pPr algn="r"/>
+            <a:r>
+              <a:rPr lang="ko-KR" altLang="en-US" sz="1050" dirty="0" smtClean="0"/>
+              <a:t>읽은 페이지</a:t>
+            </a:r>
+            <a:endParaRPr lang="ko-KR" altLang="en-US" sz="1050" dirty="0"/>
+          </a:p>
+        </p:txBody>
+      </p:sp>
+      <p:sp>
+        <p:nvSpPr>
+          <p:cNvPr id="25" name="TextBox 24"/>
+          <p:cNvSpPr txBox="1"/>
+          <p:nvPr/>
+        </p:nvSpPr>
+        <p:spPr>
+          <a:xfrm>
+            <a:off x="6376878" y="3840839"/>
+            <a:ext cx="2410691" cy="369332"/>
+          </a:xfrm>
+          <a:prstGeom prst="rect">
+            <a:avLst/>
+          </a:prstGeom>
+          <a:noFill/>
+        </p:spPr>
+        <p:txBody>
+          <a:bodyPr wrap="square" rtlCol="0">
+            <a:spAutoFit/>
+          </a:bodyPr>
+          <a:lstStyle/>
+          <a:p>
+            <a:r>
+              <a:rPr lang="ko-KR" altLang="en-US" dirty="0" smtClean="0"/>
+              <a:t>후기</a:t>
+            </a:r>
+            <a:endParaRPr lang="ko-KR" altLang="en-US" dirty="0"/>
+          </a:p>
+        </p:txBody>
+      </p:sp>
+      <p:sp>
+        <p:nvSpPr>
+          <p:cNvPr id="32" name="직사각형 31"/>
+          <p:cNvSpPr/>
+          <p:nvPr/>
+        </p:nvSpPr>
+        <p:spPr>
+          <a:xfrm>
+            <a:off x="3138481" y="5145578"/>
+            <a:ext cx="2693520" cy="1223541"/>
+          </a:xfrm>
+          <a:prstGeom prst="rect">
+            <a:avLst/>
+          </a:prstGeom>
+          <a:noFill/>
+        </p:spPr>
+        <p:style>
+          <a:lnRef idx="2">
+            <a:schemeClr val="accent1">
+              <a:shade val="50000"/>
+            </a:schemeClr>
+          </a:lnRef>
+          <a:fillRef idx="1">
+            <a:schemeClr val="accent1"/>
+          </a:fillRef>
+          <a:effectRef idx="0">
+            <a:schemeClr val="accent1"/>
+          </a:effectRef>
+          <a:fontRef idx="minor">
+            <a:schemeClr val="lt1"/>
+          </a:fontRef>
+        </p:style>
+        <p:txBody>
+          <a:bodyPr rtlCol="0" anchor="ctr"/>
+          <a:lstStyle/>
+          <a:p>
+            <a:pPr algn="ctr"/>
+            <a:endParaRPr lang="ko-KR" altLang="en-US"/>
+          </a:p>
+        </p:txBody>
+      </p:sp>
+      <p:sp>
+        <p:nvSpPr>
+          <p:cNvPr id="31" name="TextBox 30"/>
+          <p:cNvSpPr txBox="1"/>
+          <p:nvPr/>
+        </p:nvSpPr>
+        <p:spPr>
+          <a:xfrm>
+            <a:off x="3173812" y="5245460"/>
+            <a:ext cx="2587737" cy="369332"/>
+          </a:xfrm>
+          <a:prstGeom prst="rect">
+            <a:avLst/>
+          </a:prstGeom>
+          <a:noFill/>
+        </p:spPr>
+        <p:txBody>
+          <a:bodyPr wrap="square" rtlCol="0">
+            <a:spAutoFit/>
+          </a:bodyPr>
+          <a:lstStyle/>
+          <a:p>
+            <a:r>
+              <a:rPr lang="ko-KR" altLang="en-US" dirty="0" smtClean="0"/>
+              <a:t>기억에 남는 구절</a:t>
+            </a:r>
+            <a:endParaRPr lang="ko-KR" altLang="en-US" dirty="0"/>
+          </a:p>
+        </p:txBody>
+      </p:sp>
+      <p:sp>
+        <p:nvSpPr>
+          <p:cNvPr id="33" name="직사각형 32"/>
+          <p:cNvSpPr/>
+          <p:nvPr/>
+        </p:nvSpPr>
+        <p:spPr>
+          <a:xfrm>
+            <a:off x="6280921" y="3778289"/>
+            <a:ext cx="2648256" cy="2570606"/>
+          </a:xfrm>
+          <a:prstGeom prst="rect">
+            <a:avLst/>
+          </a:prstGeom>
+          <a:noFill/>
+        </p:spPr>
+        <p:style>
+          <a:lnRef idx="2">
+            <a:schemeClr val="accent1">
+              <a:shade val="50000"/>
+            </a:schemeClr>
+          </a:lnRef>
+          <a:fillRef idx="1">
+            <a:schemeClr val="accent1"/>
+          </a:fillRef>
+          <a:effectRef idx="0">
+            <a:schemeClr val="accent1"/>
+          </a:effectRef>
+          <a:fontRef idx="minor">
+            <a:schemeClr val="lt1"/>
+          </a:fontRef>
+        </p:style>
+        <p:txBody>
+          <a:bodyPr rtlCol="0" anchor="ctr"/>
+          <a:lstStyle/>
+          <a:p>
+            <a:pPr algn="ctr"/>
+            <a:endParaRPr lang="ko-KR" altLang="en-US"/>
+          </a:p>
+        </p:txBody>
+      </p:sp>
+      <p:sp>
+        <p:nvSpPr>
+          <p:cNvPr id="34" name="직사각형 33"/>
+          <p:cNvSpPr/>
+          <p:nvPr/>
+        </p:nvSpPr>
+        <p:spPr>
+          <a:xfrm>
+            <a:off x="3138481" y="3779889"/>
+            <a:ext cx="2693520" cy="1223541"/>
+          </a:xfrm>
+          <a:prstGeom prst="rect">
+            <a:avLst/>
+          </a:prstGeom>
+          <a:noFill/>
+        </p:spPr>
+        <p:style>
+          <a:lnRef idx="2">
+            <a:schemeClr val="accent1">
+              <a:shade val="50000"/>
+            </a:schemeClr>
+          </a:lnRef>
+          <a:fillRef idx="1">
+            <a:schemeClr val="accent1"/>
+          </a:fillRef>
+          <a:effectRef idx="0">
+            <a:schemeClr val="accent1"/>
+          </a:effectRef>
+          <a:fontRef idx="minor">
+            <a:schemeClr val="lt1"/>
+          </a:fontRef>
+        </p:style>
+        <p:txBody>
+          <a:bodyPr rtlCol="0" anchor="ctr"/>
+          <a:lstStyle/>
+          <a:p>
+            <a:pPr algn="ctr"/>
+            <a:endParaRPr lang="ko-KR" altLang="en-US"/>
+          </a:p>
+        </p:txBody>
+      </p:sp>
+      <p:sp>
+        <p:nvSpPr>
+          <p:cNvPr id="35" name="TextBox 34"/>
+          <p:cNvSpPr txBox="1"/>
+          <p:nvPr/>
+        </p:nvSpPr>
+        <p:spPr>
+          <a:xfrm>
+            <a:off x="3191372" y="3853735"/>
+            <a:ext cx="2587737" cy="369332"/>
+          </a:xfrm>
+          <a:prstGeom prst="rect">
+            <a:avLst/>
+          </a:prstGeom>
+          <a:noFill/>
+        </p:spPr>
+        <p:txBody>
+          <a:bodyPr wrap="square" rtlCol="0">
+            <a:spAutoFit/>
+          </a:bodyPr>
+          <a:lstStyle/>
+          <a:p>
+            <a:r>
+              <a:rPr lang="ko-KR" altLang="en-US" dirty="0" smtClean="0"/>
+              <a:t>도서 줄거리 정보</a:t>
+            </a:r>
+            <a:r>
+              <a:rPr lang="en-US" altLang="ko-KR" dirty="0" smtClean="0"/>
+              <a:t>(</a:t>
+            </a:r>
+            <a:r>
+              <a:rPr lang="ko-KR" altLang="en-US" dirty="0" err="1" smtClean="0"/>
+              <a:t>간략</a:t>
+            </a:r>
+            <a:r>
+              <a:rPr lang="en-US" altLang="ko-KR" dirty="0" smtClean="0"/>
+              <a:t>)</a:t>
+            </a:r>
+            <a:endParaRPr lang="ko-KR" altLang="en-US" dirty="0"/>
+          </a:p>
+        </p:txBody>
+      </p:sp>
+      <p:sp>
+        <p:nvSpPr>
+          <p:cNvPr id="36" name="TextBox 35"/>
+          <p:cNvSpPr txBox="1"/>
+          <p:nvPr/>
+        </p:nvSpPr>
+        <p:spPr>
+          <a:xfrm>
+            <a:off x="3111012" y="2459813"/>
+            <a:ext cx="2520637" cy="253916"/>
+          </a:xfrm>
+          <a:prstGeom prst="rect">
+            <a:avLst/>
+          </a:prstGeom>
+          <a:noFill/>
+        </p:spPr>
+        <p:txBody>
+          <a:bodyPr wrap="square" rtlCol="0">
+            <a:spAutoFit/>
+          </a:bodyPr>
+          <a:lstStyle/>
+          <a:p>
+            <a:r>
+              <a:rPr lang="ko-KR" altLang="en-US" sz="1050" dirty="0" smtClean="0"/>
+              <a:t>보관 장소 </a:t>
+            </a:r>
+            <a:r>
+              <a:rPr lang="en-US" altLang="ko-KR" sz="1050" dirty="0" smtClean="0"/>
+              <a:t>(</a:t>
+            </a:r>
+            <a:r>
+              <a:rPr lang="ko-KR" altLang="en-US" sz="1050" dirty="0" smtClean="0"/>
+              <a:t>예시 </a:t>
+            </a:r>
+            <a:r>
+              <a:rPr lang="en-US" altLang="ko-KR" sz="1050" dirty="0" smtClean="0"/>
+              <a:t>: yes24 e</a:t>
+            </a:r>
+            <a:r>
+              <a:rPr lang="ko-KR" altLang="en-US" sz="1050" dirty="0" smtClean="0"/>
+              <a:t>북</a:t>
+            </a:r>
+            <a:r>
+              <a:rPr lang="en-US" altLang="ko-KR" sz="1050" dirty="0" smtClean="0"/>
+              <a:t>, </a:t>
+            </a:r>
+            <a:r>
+              <a:rPr lang="ko-KR" altLang="en-US" sz="1050" dirty="0" smtClean="0"/>
+              <a:t>집 서재</a:t>
+            </a:r>
+            <a:r>
+              <a:rPr lang="en-US" altLang="ko-KR" sz="1050" dirty="0" smtClean="0"/>
+              <a:t>)</a:t>
+            </a:r>
+            <a:endParaRPr lang="ko-KR" altLang="en-US" sz="1050" dirty="0"/>
+          </a:p>
+        </p:txBody>
+      </p:sp>
+      <p:sp>
+        <p:nvSpPr>
+          <p:cNvPr id="38" name="직사각형 37"/>
+          <p:cNvSpPr/>
+          <p:nvPr/>
+        </p:nvSpPr>
+        <p:spPr>
+          <a:xfrm>
+            <a:off x="4519485" y="4518473"/>
+            <a:ext cx="1217699" cy="384776"/>
+          </a:xfrm>
+          <a:prstGeom prst="rect">
+            <a:avLst/>
+          </a:prstGeom>
+          <a:noFill/>
+        </p:spPr>
+        <p:style>
+          <a:lnRef idx="2">
+            <a:schemeClr val="accent1">
+              <a:shade val="50000"/>
+            </a:schemeClr>
+          </a:lnRef>
+          <a:fillRef idx="1">
+            <a:schemeClr val="accent1"/>
+          </a:fillRef>
+          <a:effectRef idx="0">
+            <a:schemeClr val="accent1"/>
+          </a:effectRef>
+          <a:fontRef idx="minor">
+            <a:schemeClr val="lt1"/>
+          </a:fontRef>
+        </p:style>
+        <p:txBody>
+          <a:bodyPr rtlCol="0" anchor="ctr"/>
+          <a:lstStyle/>
+          <a:p>
+            <a:pPr algn="ctr"/>
+            <a:endParaRPr lang="ko-KR" altLang="en-US"/>
+          </a:p>
+        </p:txBody>
+      </p:sp>
+      <p:sp>
+        <p:nvSpPr>
+          <p:cNvPr id="39" name="TextBox 38"/>
+          <p:cNvSpPr txBox="1"/>
+          <p:nvPr/>
+        </p:nvSpPr>
+        <p:spPr>
+          <a:xfrm>
+            <a:off x="4604343" y="4572326"/>
+            <a:ext cx="1132841" cy="261610"/>
+          </a:xfrm>
+          <a:prstGeom prst="rect">
+            <a:avLst/>
+          </a:prstGeom>
+          <a:noFill/>
+        </p:spPr>
+        <p:txBody>
+          <a:bodyPr wrap="square" rtlCol="0">
+            <a:spAutoFit/>
+          </a:bodyPr>
+          <a:lstStyle/>
+          <a:p>
+            <a:r>
+              <a:rPr lang="ko-KR" altLang="en-US" sz="1100" dirty="0" smtClean="0"/>
+              <a:t>자세한 정보</a:t>
+            </a:r>
+            <a:r>
+              <a:rPr lang="en-US" altLang="ko-KR" sz="1100" dirty="0" smtClean="0"/>
+              <a:t>(a)</a:t>
+            </a:r>
+            <a:endParaRPr lang="ko-KR" altLang="en-US" sz="1100" dirty="0"/>
+          </a:p>
+        </p:txBody>
+      </p:sp>
+      <p:sp>
+        <p:nvSpPr>
+          <p:cNvPr id="40" name="직사각형 39"/>
+          <p:cNvSpPr/>
+          <p:nvPr/>
+        </p:nvSpPr>
+        <p:spPr>
+          <a:xfrm>
+            <a:off x="7853954" y="3336156"/>
+            <a:ext cx="1076799" cy="321967"/>
+          </a:xfrm>
+          <a:prstGeom prst="rect">
+            <a:avLst/>
+          </a:prstGeom>
+          <a:noFill/>
+        </p:spPr>
+        <p:style>
+          <a:lnRef idx="2">
+            <a:schemeClr val="accent1">
+              <a:shade val="50000"/>
+            </a:schemeClr>
+          </a:lnRef>
+          <a:fillRef idx="1">
+            <a:schemeClr val="accent1"/>
+          </a:fillRef>
+          <a:effectRef idx="0">
+            <a:schemeClr val="accent1"/>
+          </a:effectRef>
+          <a:fontRef idx="minor">
+            <a:schemeClr val="lt1"/>
+          </a:fontRef>
+        </p:style>
+        <p:txBody>
+          <a:bodyPr rtlCol="0" anchor="ctr"/>
+          <a:lstStyle/>
+          <a:p>
+            <a:pPr algn="ctr"/>
+            <a:endParaRPr lang="ko-KR" altLang="en-US"/>
+          </a:p>
+        </p:txBody>
+      </p:sp>
+      <p:sp>
+        <p:nvSpPr>
+          <p:cNvPr id="41" name="TextBox 40"/>
+          <p:cNvSpPr txBox="1"/>
+          <p:nvPr/>
+        </p:nvSpPr>
+        <p:spPr>
+          <a:xfrm>
+            <a:off x="8047474" y="3364245"/>
+            <a:ext cx="763928" cy="261610"/>
+          </a:xfrm>
+          <a:prstGeom prst="rect">
+            <a:avLst/>
+          </a:prstGeom>
+          <a:noFill/>
+        </p:spPr>
+        <p:txBody>
+          <a:bodyPr wrap="square" rtlCol="0">
+            <a:spAutoFit/>
+          </a:bodyPr>
+          <a:lstStyle/>
+          <a:p>
+            <a:r>
+              <a:rPr lang="ko-KR" altLang="en-US" sz="1100" dirty="0" smtClean="0"/>
+              <a:t>수정하기</a:t>
+            </a:r>
+            <a:endParaRPr lang="ko-KR" altLang="en-US" sz="1100" dirty="0"/>
           </a:p>
         </p:txBody>
       </p:sp>
@@ -5456,6 +6445,211 @@
       </p:par>
     </p:tnLst>
   </p:timing>
+</p:sld>
+</file>
+
+<file path=ppt/slides/slide5.xml><?xml version="1.0" encoding="utf-8"?>
+<p:sld xmlns:a="http://schemas.openxmlformats.org/drawingml/2006/main" xmlns:r="http://schemas.openxmlformats.org/officeDocument/2006/relationships" xmlns:p="http://schemas.openxmlformats.org/presentationml/2006/main">
+  <p:cSld>
+    <p:spTree>
+      <p:nvGrpSpPr>
+        <p:cNvPr id="1" name=""/>
+        <p:cNvGrpSpPr/>
+        <p:nvPr/>
+      </p:nvGrpSpPr>
+      <p:grpSpPr>
+        <a:xfrm>
+          <a:off x="0" y="0"/>
+          <a:ext cx="0" cy="0"/>
+          <a:chOff x="0" y="0"/>
+          <a:chExt cx="0" cy="0"/>
+        </a:xfrm>
+      </p:grpSpPr>
+      <p:sp>
+        <p:nvSpPr>
+          <p:cNvPr id="5" name="직사각형 4"/>
+          <p:cNvSpPr/>
+          <p:nvPr/>
+        </p:nvSpPr>
+        <p:spPr>
+          <a:xfrm>
+            <a:off x="4625196" y="264703"/>
+            <a:ext cx="1725152" cy="1323439"/>
+          </a:xfrm>
+          <a:prstGeom prst="rect">
+            <a:avLst/>
+          </a:prstGeom>
+        </p:spPr>
+        <p:txBody>
+          <a:bodyPr wrap="none">
+            <a:spAutoFit/>
+          </a:bodyPr>
+          <a:lstStyle/>
+          <a:p>
+            <a:r>
+              <a:rPr lang="en-US" altLang="ko-KR" sz="8000" dirty="0">
+                <a:solidFill>
+                  <a:schemeClr val="bg1"/>
+                </a:solidFill>
+                <a:latin typeface="Nymphette" panose="02000505000000020000" pitchFamily="2" charset="0"/>
+                <a:ea typeface="빛의 계승자 Bold" panose="020B0600000101010101" pitchFamily="50" charset="-127"/>
+              </a:rPr>
+              <a:t>e</a:t>
+            </a:r>
+            <a:endParaRPr lang="ko-KR" altLang="en-US" sz="8000" dirty="0"/>
+          </a:p>
+        </p:txBody>
+      </p:sp>
+      <p:sp>
+        <p:nvSpPr>
+          <p:cNvPr id="4" name="직사각형 3"/>
+          <p:cNvSpPr/>
+          <p:nvPr/>
+        </p:nvSpPr>
+        <p:spPr>
+          <a:xfrm>
+            <a:off x="6042542" y="750382"/>
+            <a:ext cx="1490863" cy="1323439"/>
+          </a:xfrm>
+          <a:prstGeom prst="rect">
+            <a:avLst/>
+          </a:prstGeom>
+        </p:spPr>
+        <p:txBody>
+          <a:bodyPr wrap="square">
+            <a:spAutoFit/>
+          </a:bodyPr>
+          <a:lstStyle/>
+          <a:p>
+            <a:r>
+              <a:rPr lang="en-US" altLang="ko-KR" sz="8000" dirty="0">
+                <a:solidFill>
+                  <a:schemeClr val="bg1"/>
+                </a:solidFill>
+                <a:latin typeface="Nymphette" panose="02000505000000020000" pitchFamily="2" charset="0"/>
+                <a:ea typeface="빛의 계승자 Bold" panose="020B0600000101010101" pitchFamily="50" charset="-127"/>
+              </a:rPr>
+              <a:t>I</a:t>
+            </a:r>
+            <a:endParaRPr lang="ko-KR" altLang="en-US" sz="8000" dirty="0"/>
+          </a:p>
+        </p:txBody>
+      </p:sp>
+      <p:sp>
+        <p:nvSpPr>
+          <p:cNvPr id="2" name="제목 1"/>
+          <p:cNvSpPr>
+            <a:spLocks noGrp="1"/>
+          </p:cNvSpPr>
+          <p:nvPr>
+            <p:ph type="title"/>
+          </p:nvPr>
+        </p:nvSpPr>
+        <p:spPr>
+          <a:xfrm>
+            <a:off x="4396047" y="750382"/>
+            <a:ext cx="3426229" cy="1325563"/>
+          </a:xfrm>
+        </p:spPr>
+        <p:txBody>
+          <a:bodyPr/>
+          <a:lstStyle/>
+          <a:p>
+            <a:pPr algn="ctr"/>
+            <a:r>
+              <a:rPr lang="ko-KR" altLang="en-US" dirty="0" smtClean="0">
+                <a:solidFill>
+                  <a:schemeClr val="bg1"/>
+                </a:solidFill>
+                <a:latin typeface="빛의 계승자 Bold" panose="020B0600000101010101" pitchFamily="50" charset="-127"/>
+                <a:ea typeface="빛의 계승자 Bold" panose="020B0600000101010101" pitchFamily="50" charset="-127"/>
+              </a:rPr>
+              <a:t>빛과 소금</a:t>
+            </a:r>
+            <a:endParaRPr lang="ko-KR" altLang="en-US" dirty="0">
+              <a:solidFill>
+                <a:schemeClr val="bg1"/>
+              </a:solidFill>
+              <a:latin typeface="빛의 계승자 Bold" panose="020B0600000101010101" pitchFamily="50" charset="-127"/>
+              <a:ea typeface="빛의 계승자 Bold" panose="020B0600000101010101" pitchFamily="50" charset="-127"/>
+            </a:endParaRPr>
+          </a:p>
+        </p:txBody>
+      </p:sp>
+      <p:sp>
+        <p:nvSpPr>
+          <p:cNvPr id="3" name="직사각형 2"/>
+          <p:cNvSpPr/>
+          <p:nvPr/>
+        </p:nvSpPr>
+        <p:spPr>
+          <a:xfrm>
+            <a:off x="478449" y="2688215"/>
+            <a:ext cx="10610727" cy="3785652"/>
+          </a:xfrm>
+          <a:prstGeom prst="rect">
+            <a:avLst/>
+          </a:prstGeom>
+        </p:spPr>
+        <p:txBody>
+          <a:bodyPr wrap="square">
+            <a:spAutoFit/>
+          </a:bodyPr>
+          <a:lstStyle/>
+          <a:p>
+            <a:r>
+              <a:rPr lang="en-US" altLang="ko-KR" sz="4800" dirty="0" smtClean="0">
+                <a:solidFill>
+                  <a:schemeClr val="bg1"/>
+                </a:solidFill>
+                <a:latin typeface="Nymphette" panose="02000505000000020000" pitchFamily="2" charset="0"/>
+                <a:ea typeface="빛의 계승자 Bold" panose="020B0600000101010101" pitchFamily="50" charset="-127"/>
+              </a:rPr>
+              <a:t>QWERTYUIOPASDFGHJKLZXCVBM  </a:t>
+            </a:r>
+            <a:r>
+              <a:rPr lang="en-US" altLang="ko-KR" sz="4800" dirty="0" err="1" smtClean="0">
+                <a:solidFill>
+                  <a:schemeClr val="bg1"/>
+                </a:solidFill>
+                <a:latin typeface="Nymphette" panose="02000505000000020000" pitchFamily="2" charset="0"/>
+                <a:ea typeface="빛의 계승자 Bold" panose="020B0600000101010101" pitchFamily="50" charset="-127"/>
+              </a:rPr>
+              <a:t>Qwertyuiopasdfghjklzxcvbnm</a:t>
+            </a:r>
+            <a:endParaRPr lang="en-US" altLang="ko-KR" sz="4800" dirty="0">
+              <a:solidFill>
+                <a:schemeClr val="bg1"/>
+              </a:solidFill>
+              <a:latin typeface="Nymphette" panose="02000505000000020000" pitchFamily="2" charset="0"/>
+              <a:ea typeface="빛의 계승자 Bold" panose="020B0600000101010101" pitchFamily="50" charset="-127"/>
+            </a:endParaRPr>
+          </a:p>
+          <a:p>
+            <a:r>
+              <a:rPr lang="en-US" altLang="ko-KR" sz="4800" dirty="0" smtClean="0">
+                <a:solidFill>
+                  <a:schemeClr val="bg1"/>
+                </a:solidFill>
+                <a:latin typeface="Nymphette" panose="02000505000000020000" pitchFamily="2" charset="0"/>
+                <a:ea typeface="빛의 계승자 Bold" panose="020B0600000101010101" pitchFamily="50" charset="-127"/>
+              </a:rPr>
+              <a:t>1234567890</a:t>
+            </a:r>
+            <a:endParaRPr lang="ko-KR" altLang="en-US" sz="4800" dirty="0"/>
+          </a:p>
+        </p:txBody>
+      </p:sp>
+    </p:spTree>
+    <p:extLst>
+      <p:ext uri="{BB962C8B-B14F-4D97-AF65-F5344CB8AC3E}">
+        <p14:creationId xmlns:p14="http://schemas.microsoft.com/office/powerpoint/2010/main" val="3311029511"/>
+      </p:ext>
+    </p:extLst>
+  </p:cSld>
+  <p:clrMapOvr>
+    <a:masterClrMapping/>
+  </p:clrMapOvr>
 </p:sld>
 </file>
 

--- a/SpMVC_LETTERBUNKER/src/main/webapp/resources/letter bunker.pptx
+++ b/SpMVC_LETTERBUNKER/src/main/webapp/resources/letter bunker.pptx
@@ -158,10 +158,9 @@
           </a:lstStyle>
           <a:p>
             <a:r>
-              <a:rPr lang="ko-KR" altLang="en-US" smtClean="0"/>
+              <a:rPr lang="ko-KR" altLang="en-US"/>
               <a:t>마스터 제목 스타일 편집</a:t>
             </a:r>
-            <a:endParaRPr lang="ko-KR" altLang="en-US"/>
           </a:p>
         </p:txBody>
       </p:sp>
@@ -223,10 +222,9 @@
           </a:lstStyle>
           <a:p>
             <a:r>
-              <a:rPr lang="ko-KR" altLang="en-US" smtClean="0"/>
+              <a:rPr lang="ko-KR" altLang="en-US"/>
               <a:t>마스터 부제목 스타일 편집</a:t>
             </a:r>
-            <a:endParaRPr lang="ko-KR" altLang="en-US"/>
           </a:p>
         </p:txBody>
       </p:sp>
@@ -341,10 +339,9 @@
           <a:lstStyle/>
           <a:p>
             <a:r>
-              <a:rPr lang="ko-KR" altLang="en-US" smtClean="0"/>
+              <a:rPr lang="ko-KR" altLang="en-US"/>
               <a:t>마스터 제목 스타일 편집</a:t>
             </a:r>
-            <a:endParaRPr lang="ko-KR" altLang="en-US"/>
           </a:p>
         </p:txBody>
       </p:sp>
@@ -365,38 +362,37 @@
           <a:p>
             <a:pPr lvl="0"/>
             <a:r>
-              <a:rPr lang="ko-KR" altLang="en-US" smtClean="0"/>
+              <a:rPr lang="ko-KR" altLang="en-US"/>
               <a:t>마스터 텍스트 스타일을 편집합니다</a:t>
             </a:r>
           </a:p>
           <a:p>
             <a:pPr lvl="1"/>
             <a:r>
-              <a:rPr lang="ko-KR" altLang="en-US" smtClean="0"/>
+              <a:rPr lang="ko-KR" altLang="en-US"/>
               <a:t>둘째 수준</a:t>
             </a:r>
           </a:p>
           <a:p>
             <a:pPr lvl="2"/>
             <a:r>
-              <a:rPr lang="ko-KR" altLang="en-US" smtClean="0"/>
+              <a:rPr lang="ko-KR" altLang="en-US"/>
               <a:t>셋째 수준</a:t>
             </a:r>
           </a:p>
           <a:p>
             <a:pPr lvl="3"/>
             <a:r>
-              <a:rPr lang="ko-KR" altLang="en-US" smtClean="0"/>
+              <a:rPr lang="ko-KR" altLang="en-US"/>
               <a:t>넷째 수준</a:t>
             </a:r>
           </a:p>
           <a:p>
             <a:pPr lvl="4"/>
             <a:r>
-              <a:rPr lang="ko-KR" altLang="en-US" smtClean="0"/>
+              <a:rPr lang="ko-KR" altLang="en-US"/>
               <a:t>다섯째 수준</a:t>
             </a:r>
-            <a:endParaRPr lang="ko-KR" altLang="en-US"/>
           </a:p>
         </p:txBody>
       </p:sp>
@@ -516,10 +512,9 @@
           <a:lstStyle/>
           <a:p>
             <a:r>
-              <a:rPr lang="ko-KR" altLang="en-US" smtClean="0"/>
+              <a:rPr lang="ko-KR" altLang="en-US"/>
               <a:t>마스터 제목 스타일 편집</a:t>
             </a:r>
-            <a:endParaRPr lang="ko-KR" altLang="en-US"/>
           </a:p>
         </p:txBody>
       </p:sp>
@@ -545,38 +540,37 @@
           <a:p>
             <a:pPr lvl="0"/>
             <a:r>
-              <a:rPr lang="ko-KR" altLang="en-US" smtClean="0"/>
+              <a:rPr lang="ko-KR" altLang="en-US"/>
               <a:t>마스터 텍스트 스타일을 편집합니다</a:t>
             </a:r>
           </a:p>
           <a:p>
             <a:pPr lvl="1"/>
             <a:r>
-              <a:rPr lang="ko-KR" altLang="en-US" smtClean="0"/>
+              <a:rPr lang="ko-KR" altLang="en-US"/>
               <a:t>둘째 수준</a:t>
             </a:r>
           </a:p>
           <a:p>
             <a:pPr lvl="2"/>
             <a:r>
-              <a:rPr lang="ko-KR" altLang="en-US" smtClean="0"/>
+              <a:rPr lang="ko-KR" altLang="en-US"/>
               <a:t>셋째 수준</a:t>
             </a:r>
           </a:p>
           <a:p>
             <a:pPr lvl="3"/>
             <a:r>
-              <a:rPr lang="ko-KR" altLang="en-US" smtClean="0"/>
+              <a:rPr lang="ko-KR" altLang="en-US"/>
               <a:t>넷째 수준</a:t>
             </a:r>
           </a:p>
           <a:p>
             <a:pPr lvl="4"/>
             <a:r>
-              <a:rPr lang="ko-KR" altLang="en-US" smtClean="0"/>
+              <a:rPr lang="ko-KR" altLang="en-US"/>
               <a:t>다섯째 수준</a:t>
             </a:r>
-            <a:endParaRPr lang="ko-KR" altLang="en-US"/>
           </a:p>
         </p:txBody>
       </p:sp>
@@ -691,10 +685,9 @@
           <a:lstStyle/>
           <a:p>
             <a:r>
-              <a:rPr lang="ko-KR" altLang="en-US" smtClean="0"/>
+              <a:rPr lang="ko-KR" altLang="en-US"/>
               <a:t>마스터 제목 스타일 편집</a:t>
             </a:r>
-            <a:endParaRPr lang="ko-KR" altLang="en-US"/>
           </a:p>
         </p:txBody>
       </p:sp>
@@ -715,38 +708,37 @@
           <a:p>
             <a:pPr lvl="0"/>
             <a:r>
-              <a:rPr lang="ko-KR" altLang="en-US" smtClean="0"/>
+              <a:rPr lang="ko-KR" altLang="en-US"/>
               <a:t>마스터 텍스트 스타일을 편집합니다</a:t>
             </a:r>
           </a:p>
           <a:p>
             <a:pPr lvl="1"/>
             <a:r>
-              <a:rPr lang="ko-KR" altLang="en-US" smtClean="0"/>
+              <a:rPr lang="ko-KR" altLang="en-US"/>
               <a:t>둘째 수준</a:t>
             </a:r>
           </a:p>
           <a:p>
             <a:pPr lvl="2"/>
             <a:r>
-              <a:rPr lang="ko-KR" altLang="en-US" smtClean="0"/>
+              <a:rPr lang="ko-KR" altLang="en-US"/>
               <a:t>셋째 수준</a:t>
             </a:r>
           </a:p>
           <a:p>
             <a:pPr lvl="3"/>
             <a:r>
-              <a:rPr lang="ko-KR" altLang="en-US" smtClean="0"/>
+              <a:rPr lang="ko-KR" altLang="en-US"/>
               <a:t>넷째 수준</a:t>
             </a:r>
           </a:p>
           <a:p>
             <a:pPr lvl="4"/>
             <a:r>
-              <a:rPr lang="ko-KR" altLang="en-US" smtClean="0"/>
+              <a:rPr lang="ko-KR" altLang="en-US"/>
               <a:t>다섯째 수준</a:t>
             </a:r>
-            <a:endParaRPr lang="ko-KR" altLang="en-US"/>
           </a:p>
         </p:txBody>
       </p:sp>
@@ -870,10 +862,9 @@
           </a:lstStyle>
           <a:p>
             <a:r>
-              <a:rPr lang="ko-KR" altLang="en-US" smtClean="0"/>
+              <a:rPr lang="ko-KR" altLang="en-US"/>
               <a:t>마스터 제목 스타일 편집</a:t>
             </a:r>
-            <a:endParaRPr lang="ko-KR" altLang="en-US"/>
           </a:p>
         </p:txBody>
       </p:sp>
@@ -990,7 +981,7 @@
           <a:p>
             <a:pPr lvl="0"/>
             <a:r>
-              <a:rPr lang="ko-KR" altLang="en-US" smtClean="0"/>
+              <a:rPr lang="ko-KR" altLang="en-US"/>
               <a:t>마스터 텍스트 스타일을 편집합니다</a:t>
             </a:r>
           </a:p>
@@ -1107,10 +1098,9 @@
           <a:lstStyle/>
           <a:p>
             <a:r>
-              <a:rPr lang="ko-KR" altLang="en-US" smtClean="0"/>
+              <a:rPr lang="ko-KR" altLang="en-US"/>
               <a:t>마스터 제목 스타일 편집</a:t>
             </a:r>
-            <a:endParaRPr lang="ko-KR" altLang="en-US"/>
           </a:p>
         </p:txBody>
       </p:sp>
@@ -1136,38 +1126,37 @@
           <a:p>
             <a:pPr lvl="0"/>
             <a:r>
-              <a:rPr lang="ko-KR" altLang="en-US" smtClean="0"/>
+              <a:rPr lang="ko-KR" altLang="en-US"/>
               <a:t>마스터 텍스트 스타일을 편집합니다</a:t>
             </a:r>
           </a:p>
           <a:p>
             <a:pPr lvl="1"/>
             <a:r>
-              <a:rPr lang="ko-KR" altLang="en-US" smtClean="0"/>
+              <a:rPr lang="ko-KR" altLang="en-US"/>
               <a:t>둘째 수준</a:t>
             </a:r>
           </a:p>
           <a:p>
             <a:pPr lvl="2"/>
             <a:r>
-              <a:rPr lang="ko-KR" altLang="en-US" smtClean="0"/>
+              <a:rPr lang="ko-KR" altLang="en-US"/>
               <a:t>셋째 수준</a:t>
             </a:r>
           </a:p>
           <a:p>
             <a:pPr lvl="3"/>
             <a:r>
-              <a:rPr lang="ko-KR" altLang="en-US" smtClean="0"/>
+              <a:rPr lang="ko-KR" altLang="en-US"/>
               <a:t>넷째 수준</a:t>
             </a:r>
           </a:p>
           <a:p>
             <a:pPr lvl="4"/>
             <a:r>
-              <a:rPr lang="ko-KR" altLang="en-US" smtClean="0"/>
+              <a:rPr lang="ko-KR" altLang="en-US"/>
               <a:t>다섯째 수준</a:t>
             </a:r>
-            <a:endParaRPr lang="ko-KR" altLang="en-US"/>
           </a:p>
         </p:txBody>
       </p:sp>
@@ -1193,38 +1182,37 @@
           <a:p>
             <a:pPr lvl="0"/>
             <a:r>
-              <a:rPr lang="ko-KR" altLang="en-US" smtClean="0"/>
+              <a:rPr lang="ko-KR" altLang="en-US"/>
               <a:t>마스터 텍스트 스타일을 편집합니다</a:t>
             </a:r>
           </a:p>
           <a:p>
             <a:pPr lvl="1"/>
             <a:r>
-              <a:rPr lang="ko-KR" altLang="en-US" smtClean="0"/>
+              <a:rPr lang="ko-KR" altLang="en-US"/>
               <a:t>둘째 수준</a:t>
             </a:r>
           </a:p>
           <a:p>
             <a:pPr lvl="2"/>
             <a:r>
-              <a:rPr lang="ko-KR" altLang="en-US" smtClean="0"/>
+              <a:rPr lang="ko-KR" altLang="en-US"/>
               <a:t>셋째 수준</a:t>
             </a:r>
           </a:p>
           <a:p>
             <a:pPr lvl="3"/>
             <a:r>
-              <a:rPr lang="ko-KR" altLang="en-US" smtClean="0"/>
+              <a:rPr lang="ko-KR" altLang="en-US"/>
               <a:t>넷째 수준</a:t>
             </a:r>
           </a:p>
           <a:p>
             <a:pPr lvl="4"/>
             <a:r>
-              <a:rPr lang="ko-KR" altLang="en-US" smtClean="0"/>
+              <a:rPr lang="ko-KR" altLang="en-US"/>
               <a:t>다섯째 수준</a:t>
             </a:r>
-            <a:endParaRPr lang="ko-KR" altLang="en-US"/>
           </a:p>
         </p:txBody>
       </p:sp>
@@ -1344,10 +1332,9 @@
           <a:lstStyle/>
           <a:p>
             <a:r>
-              <a:rPr lang="ko-KR" altLang="en-US" smtClean="0"/>
+              <a:rPr lang="ko-KR" altLang="en-US"/>
               <a:t>마스터 제목 스타일 편집</a:t>
             </a:r>
-            <a:endParaRPr lang="ko-KR" altLang="en-US"/>
           </a:p>
         </p:txBody>
       </p:sp>
@@ -1410,7 +1397,7 @@
           <a:p>
             <a:pPr lvl="0"/>
             <a:r>
-              <a:rPr lang="ko-KR" altLang="en-US" smtClean="0"/>
+              <a:rPr lang="ko-KR" altLang="en-US"/>
               <a:t>마스터 텍스트 스타일을 편집합니다</a:t>
             </a:r>
           </a:p>
@@ -1438,38 +1425,37 @@
           <a:p>
             <a:pPr lvl="0"/>
             <a:r>
-              <a:rPr lang="ko-KR" altLang="en-US" smtClean="0"/>
+              <a:rPr lang="ko-KR" altLang="en-US"/>
               <a:t>마스터 텍스트 스타일을 편집합니다</a:t>
             </a:r>
           </a:p>
           <a:p>
             <a:pPr lvl="1"/>
             <a:r>
-              <a:rPr lang="ko-KR" altLang="en-US" smtClean="0"/>
+              <a:rPr lang="ko-KR" altLang="en-US"/>
               <a:t>둘째 수준</a:t>
             </a:r>
           </a:p>
           <a:p>
             <a:pPr lvl="2"/>
             <a:r>
-              <a:rPr lang="ko-KR" altLang="en-US" smtClean="0"/>
+              <a:rPr lang="ko-KR" altLang="en-US"/>
               <a:t>셋째 수준</a:t>
             </a:r>
           </a:p>
           <a:p>
             <a:pPr lvl="3"/>
             <a:r>
-              <a:rPr lang="ko-KR" altLang="en-US" smtClean="0"/>
+              <a:rPr lang="ko-KR" altLang="en-US"/>
               <a:t>넷째 수준</a:t>
             </a:r>
           </a:p>
           <a:p>
             <a:pPr lvl="4"/>
             <a:r>
-              <a:rPr lang="ko-KR" altLang="en-US" smtClean="0"/>
+              <a:rPr lang="ko-KR" altLang="en-US"/>
               <a:t>다섯째 수준</a:t>
             </a:r>
-            <a:endParaRPr lang="ko-KR" altLang="en-US"/>
           </a:p>
         </p:txBody>
       </p:sp>
@@ -1532,7 +1518,7 @@
           <a:p>
             <a:pPr lvl="0"/>
             <a:r>
-              <a:rPr lang="ko-KR" altLang="en-US" smtClean="0"/>
+              <a:rPr lang="ko-KR" altLang="en-US"/>
               <a:t>마스터 텍스트 스타일을 편집합니다</a:t>
             </a:r>
           </a:p>
@@ -1560,38 +1546,37 @@
           <a:p>
             <a:pPr lvl="0"/>
             <a:r>
-              <a:rPr lang="ko-KR" altLang="en-US" smtClean="0"/>
+              <a:rPr lang="ko-KR" altLang="en-US"/>
               <a:t>마스터 텍스트 스타일을 편집합니다</a:t>
             </a:r>
           </a:p>
           <a:p>
             <a:pPr lvl="1"/>
             <a:r>
-              <a:rPr lang="ko-KR" altLang="en-US" smtClean="0"/>
+              <a:rPr lang="ko-KR" altLang="en-US"/>
               <a:t>둘째 수준</a:t>
             </a:r>
           </a:p>
           <a:p>
             <a:pPr lvl="2"/>
             <a:r>
-              <a:rPr lang="ko-KR" altLang="en-US" smtClean="0"/>
+              <a:rPr lang="ko-KR" altLang="en-US"/>
               <a:t>셋째 수준</a:t>
             </a:r>
           </a:p>
           <a:p>
             <a:pPr lvl="3"/>
             <a:r>
-              <a:rPr lang="ko-KR" altLang="en-US" smtClean="0"/>
+              <a:rPr lang="ko-KR" altLang="en-US"/>
               <a:t>넷째 수준</a:t>
             </a:r>
           </a:p>
           <a:p>
             <a:pPr lvl="4"/>
             <a:r>
-              <a:rPr lang="ko-KR" altLang="en-US" smtClean="0"/>
+              <a:rPr lang="ko-KR" altLang="en-US"/>
               <a:t>다섯째 수준</a:t>
             </a:r>
-            <a:endParaRPr lang="ko-KR" altLang="en-US"/>
           </a:p>
         </p:txBody>
       </p:sp>
@@ -1706,10 +1691,9 @@
           <a:lstStyle/>
           <a:p>
             <a:r>
-              <a:rPr lang="ko-KR" altLang="en-US" smtClean="0"/>
+              <a:rPr lang="ko-KR" altLang="en-US"/>
               <a:t>마스터 제목 스타일 편집</a:t>
             </a:r>
-            <a:endParaRPr lang="ko-KR" altLang="en-US"/>
           </a:p>
         </p:txBody>
       </p:sp>
@@ -1928,10 +1912,9 @@
           </a:lstStyle>
           <a:p>
             <a:r>
-              <a:rPr lang="ko-KR" altLang="en-US" smtClean="0"/>
+              <a:rPr lang="ko-KR" altLang="en-US"/>
               <a:t>마스터 제목 스타일 편집</a:t>
             </a:r>
-            <a:endParaRPr lang="ko-KR" altLang="en-US"/>
           </a:p>
         </p:txBody>
       </p:sp>
@@ -1985,38 +1968,37 @@
           <a:p>
             <a:pPr lvl="0"/>
             <a:r>
-              <a:rPr lang="ko-KR" altLang="en-US" smtClean="0"/>
+              <a:rPr lang="ko-KR" altLang="en-US"/>
               <a:t>마스터 텍스트 스타일을 편집합니다</a:t>
             </a:r>
           </a:p>
           <a:p>
             <a:pPr lvl="1"/>
             <a:r>
-              <a:rPr lang="ko-KR" altLang="en-US" smtClean="0"/>
+              <a:rPr lang="ko-KR" altLang="en-US"/>
               <a:t>둘째 수준</a:t>
             </a:r>
           </a:p>
           <a:p>
             <a:pPr lvl="2"/>
             <a:r>
-              <a:rPr lang="ko-KR" altLang="en-US" smtClean="0"/>
+              <a:rPr lang="ko-KR" altLang="en-US"/>
               <a:t>셋째 수준</a:t>
             </a:r>
           </a:p>
           <a:p>
             <a:pPr lvl="3"/>
             <a:r>
-              <a:rPr lang="ko-KR" altLang="en-US" smtClean="0"/>
+              <a:rPr lang="ko-KR" altLang="en-US"/>
               <a:t>넷째 수준</a:t>
             </a:r>
           </a:p>
           <a:p>
             <a:pPr lvl="4"/>
             <a:r>
-              <a:rPr lang="ko-KR" altLang="en-US" smtClean="0"/>
+              <a:rPr lang="ko-KR" altLang="en-US"/>
               <a:t>다섯째 수준</a:t>
             </a:r>
-            <a:endParaRPr lang="ko-KR" altLang="en-US"/>
           </a:p>
         </p:txBody>
       </p:sp>
@@ -2079,7 +2061,7 @@
           <a:p>
             <a:pPr lvl="0"/>
             <a:r>
-              <a:rPr lang="ko-KR" altLang="en-US" smtClean="0"/>
+              <a:rPr lang="ko-KR" altLang="en-US"/>
               <a:t>마스터 텍스트 스타일을 편집합니다</a:t>
             </a:r>
           </a:p>
@@ -2205,10 +2187,9 @@
           </a:lstStyle>
           <a:p>
             <a:r>
-              <a:rPr lang="ko-KR" altLang="en-US" smtClean="0"/>
+              <a:rPr lang="ko-KR" altLang="en-US"/>
               <a:t>마스터 제목 스타일 편집</a:t>
             </a:r>
-            <a:endParaRPr lang="ko-KR" altLang="en-US"/>
           </a:p>
         </p:txBody>
       </p:sp>
@@ -2332,7 +2313,7 @@
           <a:p>
             <a:pPr lvl="0"/>
             <a:r>
-              <a:rPr lang="ko-KR" altLang="en-US" smtClean="0"/>
+              <a:rPr lang="ko-KR" altLang="en-US"/>
               <a:t>마스터 텍스트 스타일을 편집합니다</a:t>
             </a:r>
           </a:p>
@@ -2467,10 +2448,9 @@
           <a:lstStyle/>
           <a:p>
             <a:r>
-              <a:rPr lang="ko-KR" altLang="en-US" smtClean="0"/>
+              <a:rPr lang="ko-KR" altLang="en-US"/>
               <a:t>마스터 제목 스타일 편집</a:t>
             </a:r>
-            <a:endParaRPr lang="ko-KR" altLang="en-US"/>
           </a:p>
         </p:txBody>
       </p:sp>
@@ -2501,38 +2481,37 @@
           <a:p>
             <a:pPr lvl="0"/>
             <a:r>
-              <a:rPr lang="ko-KR" altLang="en-US" smtClean="0"/>
+              <a:rPr lang="ko-KR" altLang="en-US"/>
               <a:t>마스터 텍스트 스타일을 편집합니다</a:t>
             </a:r>
           </a:p>
           <a:p>
             <a:pPr lvl="1"/>
             <a:r>
-              <a:rPr lang="ko-KR" altLang="en-US" smtClean="0"/>
+              <a:rPr lang="ko-KR" altLang="en-US"/>
               <a:t>둘째 수준</a:t>
             </a:r>
           </a:p>
           <a:p>
             <a:pPr lvl="2"/>
             <a:r>
-              <a:rPr lang="ko-KR" altLang="en-US" smtClean="0"/>
+              <a:rPr lang="ko-KR" altLang="en-US"/>
               <a:t>셋째 수준</a:t>
             </a:r>
           </a:p>
           <a:p>
             <a:pPr lvl="3"/>
             <a:r>
-              <a:rPr lang="ko-KR" altLang="en-US" smtClean="0"/>
+              <a:rPr lang="ko-KR" altLang="en-US"/>
               <a:t>넷째 수준</a:t>
             </a:r>
           </a:p>
           <a:p>
             <a:pPr lvl="4"/>
             <a:r>
-              <a:rPr lang="ko-KR" altLang="en-US" smtClean="0"/>
+              <a:rPr lang="ko-KR" altLang="en-US"/>
               <a:t>다섯째 수준</a:t>
             </a:r>
-            <a:endParaRPr lang="ko-KR" altLang="en-US"/>
           </a:p>
         </p:txBody>
       </p:sp>
@@ -3000,7 +2979,7 @@
           <a:p>
             <a:pPr algn="ctr"/>
             <a:r>
-              <a:rPr lang="en-US" altLang="ko-KR" sz="3600" dirty="0" smtClean="0">
+              <a:rPr lang="en-US" altLang="ko-KR" sz="3600" dirty="0">
                 <a:solidFill>
                   <a:schemeClr val="bg1"/>
                 </a:solidFill>
@@ -3063,7 +3042,7 @@
           <a:lstStyle/>
           <a:p>
             <a:r>
-              <a:rPr lang="en-US" altLang="ko-KR" sz="1600" dirty="0" smtClean="0">
+              <a:rPr lang="en-US" altLang="ko-KR" sz="1600" dirty="0">
                 <a:solidFill>
                   <a:schemeClr val="accent6"/>
                 </a:solidFill>
@@ -3102,18 +3081,13 @@
           <a:p>
             <a:pPr algn="ctr"/>
             <a:r>
-              <a:rPr lang="ko-KR" altLang="en-US" u="sng" dirty="0" smtClean="0">
+              <a:rPr lang="ko-KR" altLang="en-US" u="sng" dirty="0">
                 <a:solidFill>
                   <a:schemeClr val="bg1"/>
                 </a:solidFill>
               </a:rPr>
               <a:t>게스트로 둘러보기</a:t>
             </a:r>
-            <a:endParaRPr lang="ko-KR" altLang="en-US" u="sng" dirty="0">
-              <a:solidFill>
-                <a:schemeClr val="bg1"/>
-              </a:solidFill>
-            </a:endParaRPr>
           </a:p>
         </p:txBody>
       </p:sp>
@@ -3171,7 +3145,7 @@
           <a:p>
             <a:pPr algn="ctr"/>
             <a:r>
-              <a:rPr lang="en-US" altLang="ko-KR" sz="3600" dirty="0" smtClean="0">
+              <a:rPr lang="en-US" altLang="ko-KR" sz="3600" dirty="0">
                 <a:solidFill>
                   <a:schemeClr val="bg1"/>
                 </a:solidFill>
@@ -3211,7 +3185,7 @@
           <a:lstStyle/>
           <a:p>
             <a:r>
-              <a:rPr lang="en-US" altLang="ko-KR" sz="1600" dirty="0" smtClean="0">
+              <a:rPr lang="en-US" altLang="ko-KR" sz="1600" dirty="0">
                 <a:solidFill>
                   <a:schemeClr val="accent6"/>
                 </a:solidFill>
@@ -3384,15 +3358,15 @@
           <a:lstStyle/>
           <a:p>
             <a:r>
-              <a:rPr lang="en-US" altLang="ko-KR" sz="1100" dirty="0" smtClean="0">
-                <a:solidFill>
-                  <a:srgbClr val="FFFF00"/>
-                </a:solidFill>
-              </a:rPr>
-              <a:t>List&lt;</a:t>
-            </a:r>
-            <a:r>
-              <a:rPr lang="en-US" altLang="ko-KR" sz="1100" dirty="0" err="1" smtClean="0">
+              <a:rPr lang="en-US" altLang="ko-KR" sz="1100" dirty="0">
+                <a:solidFill>
+                  <a:srgbClr val="FFFF00"/>
+                </a:solidFill>
+              </a:rPr>
+              <a:t>&lt;</a:t>
+            </a:r>
+            <a:r>
+              <a:rPr lang="en-US" altLang="ko-KR" sz="1100" dirty="0" err="1">
                 <a:solidFill>
                   <a:srgbClr val="FFFF00"/>
                 </a:solidFill>
@@ -3400,7 +3374,7 @@
               <a:t>UserVO</a:t>
             </a:r>
             <a:r>
-              <a:rPr lang="en-US" altLang="ko-KR" sz="1100" dirty="0" smtClean="0">
+              <a:rPr lang="en-US" altLang="ko-KR" sz="1100" dirty="0">
                 <a:solidFill>
                   <a:srgbClr val="FFFF00"/>
                 </a:solidFill>
@@ -3410,7 +3384,7 @@
           </a:p>
           <a:p>
             <a:r>
-              <a:rPr lang="en-US" altLang="ko-KR" sz="1100" dirty="0" smtClean="0">
+              <a:rPr lang="en-US" altLang="ko-KR" sz="1100" dirty="0">
                 <a:solidFill>
                   <a:srgbClr val="FFFF00"/>
                 </a:solidFill>
@@ -3420,7 +3394,7 @@
           </a:p>
           <a:p>
             <a:r>
-              <a:rPr lang="en-US" altLang="ko-KR" sz="1100" dirty="0" smtClean="0">
+              <a:rPr lang="en-US" altLang="ko-KR" sz="1100" dirty="0">
                 <a:solidFill>
                   <a:srgbClr val="FFFF00"/>
                 </a:solidFill>
@@ -3430,7 +3404,7 @@
           </a:p>
           <a:p>
             <a:r>
-              <a:rPr lang="en-US" altLang="ko-KR" sz="1100" dirty="0" err="1" smtClean="0">
+              <a:rPr lang="en-US" altLang="ko-KR" sz="1100" dirty="0" err="1">
                 <a:solidFill>
                   <a:srgbClr val="FFFF00"/>
                 </a:solidFill>
@@ -3438,7 +3412,7 @@
               <a:t>Realname</a:t>
             </a:r>
             <a:r>
-              <a:rPr lang="en-US" altLang="ko-KR" sz="1100" dirty="0" smtClean="0">
+              <a:rPr lang="en-US" altLang="ko-KR" sz="1100" dirty="0">
                 <a:solidFill>
                   <a:srgbClr val="FFFF00"/>
                 </a:solidFill>
@@ -3448,7 +3422,7 @@
           </a:p>
           <a:p>
             <a:r>
-              <a:rPr lang="en-US" altLang="ko-KR" sz="1100" dirty="0" smtClean="0">
+              <a:rPr lang="en-US" altLang="ko-KR" sz="1100" dirty="0">
                 <a:solidFill>
                   <a:srgbClr val="FFFF00"/>
                 </a:solidFill>
@@ -3458,7 +3432,7 @@
           </a:p>
           <a:p>
             <a:r>
-              <a:rPr lang="en-US" altLang="ko-KR" sz="1100" dirty="0" smtClean="0">
+              <a:rPr lang="en-US" altLang="ko-KR" sz="1100" dirty="0">
                 <a:solidFill>
                   <a:srgbClr val="FFFF00"/>
                 </a:solidFill>
@@ -3468,7 +3442,7 @@
           </a:p>
           <a:p>
             <a:r>
-              <a:rPr lang="en-US" altLang="ko-KR" sz="1100" dirty="0" err="1" smtClean="0">
+              <a:rPr lang="en-US" altLang="ko-KR" sz="1100" dirty="0" err="1">
                 <a:solidFill>
                   <a:srgbClr val="FFFF00"/>
                 </a:solidFill>
@@ -3641,7 +3615,7 @@
           <a:p>
             <a:pPr algn="ctr"/>
             <a:r>
-              <a:rPr lang="en-US" altLang="ko-KR" sz="3600" dirty="0" smtClean="0">
+              <a:rPr lang="en-US" altLang="ko-KR" sz="3600" dirty="0">
                 <a:solidFill>
                   <a:schemeClr val="bg1"/>
                 </a:solidFill>
@@ -4295,7 +4269,7 @@
           <a:lstStyle/>
           <a:p>
             <a:r>
-              <a:rPr lang="en-US" altLang="ko-KR" sz="1100" dirty="0" smtClean="0">
+              <a:rPr lang="en-US" altLang="ko-KR" sz="1100" dirty="0">
                 <a:solidFill>
                   <a:schemeClr val="accent2"/>
                 </a:solidFill>
@@ -4305,7 +4279,7 @@
           </a:p>
           <a:p>
             <a:r>
-              <a:rPr lang="en-US" altLang="ko-KR" sz="1100" dirty="0" smtClean="0">
+              <a:rPr lang="en-US" altLang="ko-KR" sz="1100" dirty="0">
                 <a:solidFill>
                   <a:schemeClr val="accent2"/>
                 </a:solidFill>
@@ -4313,31 +4287,26 @@
               <a:t>Overflow</a:t>
             </a:r>
             <a:r>
-              <a:rPr lang="ko-KR" altLang="en-US" sz="1100" dirty="0" smtClean="0">
+              <a:rPr lang="ko-KR" altLang="en-US" sz="1100" dirty="0">
                 <a:solidFill>
                   <a:schemeClr val="accent2"/>
                 </a:solidFill>
               </a:rPr>
               <a:t>된 건 아래로 보내기</a:t>
             </a:r>
-            <a:endParaRPr lang="ko-KR" altLang="en-US" sz="1100" dirty="0">
-              <a:solidFill>
-                <a:schemeClr val="accent2"/>
-              </a:solidFill>
-            </a:endParaRPr>
-          </a:p>
-        </p:txBody>
-      </p:sp>
-      <p:sp>
-        <p:nvSpPr>
-          <p:cNvPr id="26" name="TextBox 25"/>
+          </a:p>
+        </p:txBody>
+      </p:sp>
+      <p:sp>
+        <p:nvSpPr>
+          <p:cNvPr id="27" name="TextBox 26"/>
           <p:cNvSpPr txBox="1"/>
           <p:nvPr/>
         </p:nvSpPr>
         <p:spPr>
           <a:xfrm>
-            <a:off x="1160982" y="2349750"/>
-            <a:ext cx="1259346" cy="600164"/>
+            <a:off x="101955" y="186713"/>
+            <a:ext cx="1259346" cy="338554"/>
           </a:xfrm>
           <a:prstGeom prst="rect">
             <a:avLst/>
@@ -4351,86 +4320,7 @@
           <a:lstStyle/>
           <a:p>
             <a:r>
-              <a:rPr lang="en-US" altLang="ko-KR" sz="1100" dirty="0" smtClean="0">
-                <a:solidFill>
-                  <a:srgbClr val="FFFF00"/>
-                </a:solidFill>
-              </a:rPr>
-              <a:t>List&lt;</a:t>
-            </a:r>
-            <a:r>
-              <a:rPr lang="en-US" altLang="ko-KR" sz="1100" dirty="0" err="1" smtClean="0">
-                <a:solidFill>
-                  <a:srgbClr val="FFFF00"/>
-                </a:solidFill>
-              </a:rPr>
-              <a:t>BookVO</a:t>
-            </a:r>
-            <a:r>
-              <a:rPr lang="en-US" altLang="ko-KR" sz="1100" dirty="0" smtClean="0">
-                <a:solidFill>
-                  <a:srgbClr val="FFFF00"/>
-                </a:solidFill>
-              </a:rPr>
-              <a:t>&gt;</a:t>
-            </a:r>
-          </a:p>
-          <a:p>
-            <a:r>
-              <a:rPr lang="en-US" altLang="ko-KR" sz="1100" dirty="0" err="1" smtClean="0">
-                <a:solidFill>
-                  <a:srgbClr val="FFFF00"/>
-                </a:solidFill>
-              </a:rPr>
-              <a:t>b_name</a:t>
-            </a:r>
-            <a:endParaRPr lang="en-US" altLang="ko-KR" sz="1100" dirty="0" smtClean="0">
-              <a:solidFill>
-                <a:srgbClr val="FFFF00"/>
-              </a:solidFill>
-            </a:endParaRPr>
-          </a:p>
-          <a:p>
-            <a:r>
-              <a:rPr lang="en-US" altLang="ko-KR" sz="1100" dirty="0" err="1" smtClean="0">
-                <a:solidFill>
-                  <a:srgbClr val="FFFF00"/>
-                </a:solidFill>
-              </a:rPr>
-              <a:t>b_seq</a:t>
-            </a:r>
-            <a:endParaRPr lang="ko-KR" altLang="en-US" sz="1100" dirty="0">
-              <a:solidFill>
-                <a:srgbClr val="FFFF00"/>
-              </a:solidFill>
-            </a:endParaRPr>
-          </a:p>
-        </p:txBody>
-      </p:sp>
-      <p:sp>
-        <p:nvSpPr>
-          <p:cNvPr id="27" name="TextBox 26"/>
-          <p:cNvSpPr txBox="1"/>
-          <p:nvPr/>
-        </p:nvSpPr>
-        <p:spPr>
-          <a:xfrm>
-            <a:off x="101955" y="186713"/>
-            <a:ext cx="1259346" cy="338554"/>
-          </a:xfrm>
-          <a:prstGeom prst="rect">
-            <a:avLst/>
-          </a:prstGeom>
-          <a:noFill/>
-        </p:spPr>
-        <p:txBody>
-          <a:bodyPr wrap="square" rtlCol="0">
-            <a:spAutoFit/>
-          </a:bodyPr>
-          <a:lstStyle/>
-          <a:p>
-            <a:r>
-              <a:rPr lang="en-US" altLang="ko-KR" sz="1600" dirty="0" smtClean="0">
+              <a:rPr lang="en-US" altLang="ko-KR" sz="1600" dirty="0">
                 <a:solidFill>
                   <a:schemeClr val="accent6"/>
                 </a:solidFill>
@@ -4623,12 +4513,1392 @@
           <a:lstStyle/>
           <a:p>
             <a:r>
-              <a:rPr lang="ko-KR" altLang="en-US" sz="1100" smtClean="0">
+              <a:rPr lang="ko-KR" altLang="en-US" sz="1100">
                 <a:solidFill>
                   <a:schemeClr val="accent2"/>
                 </a:solidFill>
               </a:rPr>
               <a:t>다 읽은 책 표시</a:t>
+            </a:r>
+            <a:endParaRPr lang="ko-KR" altLang="en-US" sz="1100" dirty="0">
+              <a:solidFill>
+                <a:schemeClr val="accent2"/>
+              </a:solidFill>
+            </a:endParaRPr>
+          </a:p>
+        </p:txBody>
+      </p:sp>
+      <p:sp>
+        <p:nvSpPr>
+          <p:cNvPr id="32" name="Rectangle 3">
+            <a:extLst>
+              <a:ext uri="{FF2B5EF4-FFF2-40B4-BE49-F238E27FC236}">
+                <a16:creationId xmlns:a16="http://schemas.microsoft.com/office/drawing/2014/main" id="{4B28D6C1-42F0-5790-BA7C-B2F69DF11E39}"/>
+              </a:ext>
+            </a:extLst>
+          </p:cNvPr>
+          <p:cNvSpPr>
+            <a:spLocks noChangeArrowheads="1"/>
+          </p:cNvSpPr>
+          <p:nvPr/>
+        </p:nvSpPr>
+        <p:spPr bwMode="auto">
+          <a:xfrm>
+            <a:off x="766354" y="2124337"/>
+            <a:ext cx="1624163" cy="1785104"/>
+          </a:xfrm>
+          <a:prstGeom prst="rect">
+            <a:avLst/>
+          </a:prstGeom>
+          <a:noFill/>
+          <a:ln>
+            <a:noFill/>
+          </a:ln>
+          <a:effectLst/>
+          <a:extLst>
+            <a:ext uri="{909E8E84-426E-40DD-AFC4-6F175D3DCCD1}">
+              <a14:hiddenFill xmlns:a14="http://schemas.microsoft.com/office/drawing/2010/main">
+                <a:solidFill>
+                  <a:schemeClr val="accent1"/>
+                </a:solidFill>
+              </a14:hiddenFill>
+            </a:ext>
+            <a:ext uri="{91240B29-F687-4F45-9708-019B960494DF}">
+              <a14:hiddenLine xmlns:a14="http://schemas.microsoft.com/office/drawing/2010/main" w="9525">
+                <a:solidFill>
+                  <a:schemeClr val="tx1"/>
+                </a:solidFill>
+                <a:miter lim="800000"/>
+                <a:headEnd/>
+                <a:tailEnd/>
+              </a14:hiddenLine>
+            </a:ext>
+            <a:ext uri="{AF507438-7753-43E0-B8FC-AC1667EBCBE1}">
+              <a14:hiddenEffects xmlns:a14="http://schemas.microsoft.com/office/drawing/2010/main">
+                <a:effectLst>
+                  <a:outerShdw dist="35921" dir="2700000" algn="ctr" rotWithShape="0">
+                    <a:schemeClr val="bg2"/>
+                  </a:outerShdw>
+                </a:effectLst>
+              </a14:hiddenEffects>
+            </a:ext>
+          </a:extLst>
+        </p:spPr>
+        <p:txBody>
+          <a:bodyPr vert="horz" wrap="none" lIns="91440" tIns="45720" rIns="91440" bIns="45720" numCol="1" anchor="ctr" anchorCtr="0" compatLnSpc="1">
+            <a:prstTxWarp prst="textNoShape">
+              <a:avLst/>
+            </a:prstTxWarp>
+            <a:spAutoFit/>
+          </a:bodyPr>
+          <a:lstStyle/>
+          <a:p>
+            <a:pPr eaLnBrk="0" fontAlgn="base" latinLnBrk="0" hangingPunct="0">
+              <a:spcBef>
+                <a:spcPct val="0"/>
+              </a:spcBef>
+              <a:spcAft>
+                <a:spcPct val="0"/>
+              </a:spcAft>
+            </a:pPr>
+            <a:r>
+              <a:rPr lang="en-US" altLang="ko-KR" sz="1000" dirty="0">
+                <a:solidFill>
+                  <a:srgbClr val="FFFF00"/>
+                </a:solidFill>
+              </a:rPr>
+              <a:t>List&lt;</a:t>
+            </a:r>
+            <a:r>
+              <a:rPr lang="en-US" altLang="ko-KR" sz="1000" dirty="0" err="1">
+                <a:solidFill>
+                  <a:srgbClr val="FFFF00"/>
+                </a:solidFill>
+              </a:rPr>
+              <a:t>NBookVO</a:t>
+            </a:r>
+            <a:r>
+              <a:rPr lang="en-US" altLang="ko-KR" sz="1000" dirty="0">
+                <a:solidFill>
+                  <a:srgbClr val="FFFF00"/>
+                </a:solidFill>
+              </a:rPr>
+              <a:t>&gt; DB X</a:t>
+            </a:r>
+          </a:p>
+          <a:p>
+            <a:pPr marL="0" marR="0" lvl="0" indent="0" algn="l" defTabSz="914400" rtl="0" eaLnBrk="0" fontAlgn="base" latinLnBrk="0" hangingPunct="0">
+              <a:lnSpc>
+                <a:spcPct val="100000"/>
+              </a:lnSpc>
+              <a:spcBef>
+                <a:spcPct val="0"/>
+              </a:spcBef>
+              <a:spcAft>
+                <a:spcPct val="0"/>
+              </a:spcAft>
+              <a:buClrTx/>
+              <a:buSzTx/>
+              <a:buFontTx/>
+              <a:buNone/>
+              <a:tabLst/>
+            </a:pPr>
+            <a:endParaRPr kumimoji="0" lang="en-US" altLang="ko-KR" sz="1000" b="0" i="0" u="none" strike="noStrike" cap="none" normalizeH="0" baseline="0" dirty="0">
+              <a:ln>
+                <a:noFill/>
+              </a:ln>
+              <a:solidFill>
+                <a:srgbClr val="FFFF00"/>
+              </a:solidFill>
+              <a:effectLst/>
+              <a:latin typeface="Arial Unicode MS"/>
+            </a:endParaRPr>
+          </a:p>
+          <a:p>
+            <a:pPr marL="0" marR="0" lvl="0" indent="0" algn="l" defTabSz="914400" rtl="0" eaLnBrk="0" fontAlgn="base" latinLnBrk="0" hangingPunct="0">
+              <a:lnSpc>
+                <a:spcPct val="100000"/>
+              </a:lnSpc>
+              <a:spcBef>
+                <a:spcPct val="0"/>
+              </a:spcBef>
+              <a:spcAft>
+                <a:spcPct val="0"/>
+              </a:spcAft>
+              <a:buClrTx/>
+              <a:buSzTx/>
+              <a:buFontTx/>
+              <a:buNone/>
+              <a:tabLst/>
+            </a:pPr>
+            <a:r>
+              <a:rPr kumimoji="0" lang="ko-KR" altLang="ko-KR" sz="1000" b="0" i="0" u="none" strike="noStrike" cap="none" normalizeH="0" baseline="0" dirty="0" err="1">
+                <a:ln>
+                  <a:noFill/>
+                </a:ln>
+                <a:solidFill>
+                  <a:srgbClr val="FFFF00"/>
+                </a:solidFill>
+                <a:effectLst/>
+                <a:latin typeface="Arial Unicode MS"/>
+              </a:rPr>
+              <a:t>private</a:t>
+            </a:r>
+            <a:r>
+              <a:rPr kumimoji="0" lang="ko-KR" altLang="ko-KR" sz="1000" b="0" i="0" u="none" strike="noStrike" cap="none" normalizeH="0" baseline="0" dirty="0">
+                <a:ln>
+                  <a:noFill/>
+                </a:ln>
+                <a:solidFill>
+                  <a:srgbClr val="FFFF00"/>
+                </a:solidFill>
+                <a:effectLst/>
+                <a:latin typeface="Arial Unicode MS"/>
+              </a:rPr>
+              <a:t> </a:t>
+            </a:r>
+            <a:r>
+              <a:rPr kumimoji="0" lang="ko-KR" altLang="ko-KR" sz="1000" b="0" i="0" u="none" strike="noStrike" cap="none" normalizeH="0" baseline="0" dirty="0" err="1">
+                <a:ln>
+                  <a:noFill/>
+                </a:ln>
+                <a:solidFill>
+                  <a:srgbClr val="FFFF00"/>
+                </a:solidFill>
+                <a:effectLst/>
+                <a:latin typeface="Arial Unicode MS"/>
+              </a:rPr>
+              <a:t>String</a:t>
+            </a:r>
+            <a:r>
+              <a:rPr kumimoji="0" lang="ko-KR" altLang="ko-KR" sz="1000" b="0" i="0" u="none" strike="noStrike" cap="none" normalizeH="0" baseline="0" dirty="0">
+                <a:ln>
+                  <a:noFill/>
+                </a:ln>
+                <a:solidFill>
+                  <a:srgbClr val="FFFF00"/>
+                </a:solidFill>
+                <a:effectLst/>
+                <a:latin typeface="Arial Unicode MS"/>
+              </a:rPr>
+              <a:t> </a:t>
+            </a:r>
+            <a:r>
+              <a:rPr kumimoji="0" lang="ko-KR" altLang="ko-KR" sz="1000" b="0" i="0" u="none" strike="noStrike" cap="none" normalizeH="0" baseline="0" dirty="0" err="1">
+                <a:ln>
+                  <a:noFill/>
+                </a:ln>
+                <a:solidFill>
+                  <a:srgbClr val="FFFF00"/>
+                </a:solidFill>
+                <a:effectLst/>
+                <a:latin typeface="Arial Unicode MS"/>
+              </a:rPr>
+              <a:t>title</a:t>
+            </a:r>
+            <a:endParaRPr kumimoji="0" lang="en-US" altLang="ko-KR" sz="1000" b="0" i="0" u="none" strike="noStrike" cap="none" normalizeH="0" baseline="0" dirty="0">
+              <a:ln>
+                <a:noFill/>
+              </a:ln>
+              <a:solidFill>
+                <a:srgbClr val="FFFF00"/>
+              </a:solidFill>
+              <a:effectLst/>
+              <a:latin typeface="Arial Unicode MS"/>
+            </a:endParaRPr>
+          </a:p>
+          <a:p>
+            <a:pPr marL="0" marR="0" lvl="0" indent="0" algn="l" defTabSz="914400" rtl="0" eaLnBrk="0" fontAlgn="base" latinLnBrk="0" hangingPunct="0">
+              <a:lnSpc>
+                <a:spcPct val="100000"/>
+              </a:lnSpc>
+              <a:spcBef>
+                <a:spcPct val="0"/>
+              </a:spcBef>
+              <a:spcAft>
+                <a:spcPct val="0"/>
+              </a:spcAft>
+              <a:buClrTx/>
+              <a:buSzTx/>
+              <a:buFontTx/>
+              <a:buNone/>
+              <a:tabLst/>
+            </a:pPr>
+            <a:r>
+              <a:rPr kumimoji="0" lang="ko-KR" altLang="ko-KR" sz="1000" b="0" i="0" u="none" strike="noStrike" cap="none" normalizeH="0" baseline="0" dirty="0" err="1">
+                <a:ln>
+                  <a:noFill/>
+                </a:ln>
+                <a:solidFill>
+                  <a:srgbClr val="FFFF00"/>
+                </a:solidFill>
+                <a:effectLst/>
+                <a:latin typeface="Arial Unicode MS"/>
+              </a:rPr>
+              <a:t>private</a:t>
+            </a:r>
+            <a:r>
+              <a:rPr kumimoji="0" lang="ko-KR" altLang="ko-KR" sz="1000" b="0" i="0" u="none" strike="noStrike" cap="none" normalizeH="0" baseline="0" dirty="0">
+                <a:ln>
+                  <a:noFill/>
+                </a:ln>
+                <a:solidFill>
+                  <a:srgbClr val="FFFF00"/>
+                </a:solidFill>
+                <a:effectLst/>
+                <a:latin typeface="Arial Unicode MS"/>
+              </a:rPr>
+              <a:t> </a:t>
+            </a:r>
+            <a:r>
+              <a:rPr kumimoji="0" lang="ko-KR" altLang="ko-KR" sz="1000" b="0" i="0" u="none" strike="noStrike" cap="none" normalizeH="0" baseline="0" dirty="0" err="1">
+                <a:ln>
+                  <a:noFill/>
+                </a:ln>
+                <a:solidFill>
+                  <a:srgbClr val="FFFF00"/>
+                </a:solidFill>
+                <a:effectLst/>
+                <a:latin typeface="Arial Unicode MS"/>
+              </a:rPr>
+              <a:t>String</a:t>
+            </a:r>
+            <a:r>
+              <a:rPr kumimoji="0" lang="ko-KR" altLang="ko-KR" sz="1000" b="0" i="0" u="none" strike="noStrike" cap="none" normalizeH="0" baseline="0" dirty="0">
+                <a:ln>
+                  <a:noFill/>
+                </a:ln>
+                <a:solidFill>
+                  <a:srgbClr val="FFFF00"/>
+                </a:solidFill>
+                <a:effectLst/>
+                <a:latin typeface="Arial Unicode MS"/>
+              </a:rPr>
+              <a:t> </a:t>
+            </a:r>
+            <a:r>
+              <a:rPr kumimoji="0" lang="ko-KR" altLang="ko-KR" sz="1000" b="0" i="0" u="none" strike="noStrike" cap="none" normalizeH="0" baseline="0" dirty="0" err="1">
+                <a:ln>
+                  <a:noFill/>
+                </a:ln>
+                <a:solidFill>
+                  <a:srgbClr val="FFFF00"/>
+                </a:solidFill>
+                <a:effectLst/>
+                <a:latin typeface="Arial Unicode MS"/>
+              </a:rPr>
+              <a:t>link</a:t>
+            </a:r>
+            <a:r>
+              <a:rPr kumimoji="0" lang="ko-KR" altLang="ko-KR" sz="1000" b="0" i="0" u="none" strike="noStrike" cap="none" normalizeH="0" baseline="0" dirty="0">
+                <a:ln>
+                  <a:noFill/>
+                </a:ln>
+                <a:solidFill>
+                  <a:srgbClr val="FFFF00"/>
+                </a:solidFill>
+                <a:effectLst/>
+                <a:latin typeface="Arial Unicode MS"/>
+              </a:rPr>
+              <a:t>; </a:t>
+            </a:r>
+            <a:endParaRPr kumimoji="0" lang="en-US" altLang="ko-KR" sz="1000" b="0" i="0" u="none" strike="noStrike" cap="none" normalizeH="0" baseline="0" dirty="0">
+              <a:ln>
+                <a:noFill/>
+              </a:ln>
+              <a:solidFill>
+                <a:srgbClr val="FFFF00"/>
+              </a:solidFill>
+              <a:effectLst/>
+              <a:latin typeface="Arial Unicode MS"/>
+            </a:endParaRPr>
+          </a:p>
+          <a:p>
+            <a:pPr marL="0" marR="0" lvl="0" indent="0" algn="l" defTabSz="914400" rtl="0" eaLnBrk="0" fontAlgn="base" latinLnBrk="0" hangingPunct="0">
+              <a:lnSpc>
+                <a:spcPct val="100000"/>
+              </a:lnSpc>
+              <a:spcBef>
+                <a:spcPct val="0"/>
+              </a:spcBef>
+              <a:spcAft>
+                <a:spcPct val="0"/>
+              </a:spcAft>
+              <a:buClrTx/>
+              <a:buSzTx/>
+              <a:buFontTx/>
+              <a:buNone/>
+              <a:tabLst/>
+            </a:pPr>
+            <a:r>
+              <a:rPr kumimoji="0" lang="ko-KR" altLang="ko-KR" sz="1000" b="0" i="0" u="none" strike="noStrike" cap="none" normalizeH="0" baseline="0" dirty="0" err="1">
+                <a:ln>
+                  <a:noFill/>
+                </a:ln>
+                <a:solidFill>
+                  <a:srgbClr val="FFFF00"/>
+                </a:solidFill>
+                <a:effectLst/>
+                <a:latin typeface="Arial Unicode MS"/>
+              </a:rPr>
+              <a:t>private</a:t>
+            </a:r>
+            <a:r>
+              <a:rPr kumimoji="0" lang="ko-KR" altLang="ko-KR" sz="1000" b="0" i="0" u="none" strike="noStrike" cap="none" normalizeH="0" baseline="0" dirty="0">
+                <a:ln>
+                  <a:noFill/>
+                </a:ln>
+                <a:solidFill>
+                  <a:srgbClr val="FFFF00"/>
+                </a:solidFill>
+                <a:effectLst/>
+                <a:latin typeface="Arial Unicode MS"/>
+              </a:rPr>
+              <a:t> </a:t>
+            </a:r>
+            <a:r>
+              <a:rPr kumimoji="0" lang="ko-KR" altLang="ko-KR" sz="1000" b="0" i="0" u="none" strike="noStrike" cap="none" normalizeH="0" baseline="0" dirty="0" err="1">
+                <a:ln>
+                  <a:noFill/>
+                </a:ln>
+                <a:solidFill>
+                  <a:srgbClr val="FFFF00"/>
+                </a:solidFill>
+                <a:effectLst/>
+                <a:latin typeface="Arial Unicode MS"/>
+              </a:rPr>
+              <a:t>String</a:t>
+            </a:r>
+            <a:r>
+              <a:rPr kumimoji="0" lang="ko-KR" altLang="ko-KR" sz="1000" b="0" i="0" u="none" strike="noStrike" cap="none" normalizeH="0" baseline="0" dirty="0">
+                <a:ln>
+                  <a:noFill/>
+                </a:ln>
+                <a:solidFill>
+                  <a:srgbClr val="FFFF00"/>
+                </a:solidFill>
+                <a:effectLst/>
+                <a:latin typeface="Arial Unicode MS"/>
+              </a:rPr>
+              <a:t> </a:t>
+            </a:r>
+            <a:r>
+              <a:rPr kumimoji="0" lang="ko-KR" altLang="ko-KR" sz="1000" b="0" i="0" u="none" strike="noStrike" cap="none" normalizeH="0" baseline="0" dirty="0" err="1">
+                <a:ln>
+                  <a:noFill/>
+                </a:ln>
+                <a:solidFill>
+                  <a:srgbClr val="FFFF00"/>
+                </a:solidFill>
+                <a:effectLst/>
+                <a:latin typeface="Arial Unicode MS"/>
+              </a:rPr>
+              <a:t>image</a:t>
+            </a:r>
+            <a:r>
+              <a:rPr kumimoji="0" lang="ko-KR" altLang="ko-KR" sz="1000" b="0" i="0" u="none" strike="noStrike" cap="none" normalizeH="0" baseline="0" dirty="0">
+                <a:ln>
+                  <a:noFill/>
+                </a:ln>
+                <a:solidFill>
+                  <a:srgbClr val="FFFF00"/>
+                </a:solidFill>
+                <a:effectLst/>
+                <a:latin typeface="Arial Unicode MS"/>
+              </a:rPr>
+              <a:t>; </a:t>
+            </a:r>
+            <a:endParaRPr kumimoji="0" lang="en-US" altLang="ko-KR" sz="1000" b="0" i="0" u="none" strike="noStrike" cap="none" normalizeH="0" baseline="0" dirty="0">
+              <a:ln>
+                <a:noFill/>
+              </a:ln>
+              <a:solidFill>
+                <a:srgbClr val="FFFF00"/>
+              </a:solidFill>
+              <a:effectLst/>
+              <a:latin typeface="Arial Unicode MS"/>
+            </a:endParaRPr>
+          </a:p>
+          <a:p>
+            <a:pPr marL="0" marR="0" lvl="0" indent="0" algn="l" defTabSz="914400" rtl="0" eaLnBrk="0" fontAlgn="base" latinLnBrk="0" hangingPunct="0">
+              <a:lnSpc>
+                <a:spcPct val="100000"/>
+              </a:lnSpc>
+              <a:spcBef>
+                <a:spcPct val="0"/>
+              </a:spcBef>
+              <a:spcAft>
+                <a:spcPct val="0"/>
+              </a:spcAft>
+              <a:buClrTx/>
+              <a:buSzTx/>
+              <a:buFontTx/>
+              <a:buNone/>
+              <a:tabLst/>
+            </a:pPr>
+            <a:r>
+              <a:rPr kumimoji="0" lang="ko-KR" altLang="ko-KR" sz="1000" b="0" i="0" u="none" strike="noStrike" cap="none" normalizeH="0" baseline="0" dirty="0" err="1">
+                <a:ln>
+                  <a:noFill/>
+                </a:ln>
+                <a:solidFill>
+                  <a:srgbClr val="FFFF00"/>
+                </a:solidFill>
+                <a:effectLst/>
+                <a:latin typeface="Arial Unicode MS"/>
+              </a:rPr>
+              <a:t>private</a:t>
+            </a:r>
+            <a:r>
+              <a:rPr kumimoji="0" lang="ko-KR" altLang="ko-KR" sz="1000" b="0" i="0" u="none" strike="noStrike" cap="none" normalizeH="0" baseline="0" dirty="0">
+                <a:ln>
+                  <a:noFill/>
+                </a:ln>
+                <a:solidFill>
+                  <a:srgbClr val="FFFF00"/>
+                </a:solidFill>
+                <a:effectLst/>
+                <a:latin typeface="Arial Unicode MS"/>
+              </a:rPr>
+              <a:t> </a:t>
+            </a:r>
+            <a:r>
+              <a:rPr kumimoji="0" lang="ko-KR" altLang="ko-KR" sz="1000" b="0" i="0" u="none" strike="noStrike" cap="none" normalizeH="0" baseline="0" dirty="0" err="1">
+                <a:ln>
+                  <a:noFill/>
+                </a:ln>
+                <a:solidFill>
+                  <a:srgbClr val="FFFF00"/>
+                </a:solidFill>
+                <a:effectLst/>
+                <a:latin typeface="Arial Unicode MS"/>
+              </a:rPr>
+              <a:t>String</a:t>
+            </a:r>
+            <a:r>
+              <a:rPr kumimoji="0" lang="ko-KR" altLang="ko-KR" sz="1000" b="0" i="0" u="none" strike="noStrike" cap="none" normalizeH="0" baseline="0" dirty="0">
+                <a:ln>
+                  <a:noFill/>
+                </a:ln>
+                <a:solidFill>
+                  <a:srgbClr val="FFFF00"/>
+                </a:solidFill>
+                <a:effectLst/>
+                <a:latin typeface="Arial Unicode MS"/>
+              </a:rPr>
+              <a:t> </a:t>
+            </a:r>
+            <a:r>
+              <a:rPr kumimoji="0" lang="ko-KR" altLang="ko-KR" sz="1000" b="0" i="0" u="none" strike="noStrike" cap="none" normalizeH="0" baseline="0" dirty="0" err="1">
+                <a:ln>
+                  <a:noFill/>
+                </a:ln>
+                <a:solidFill>
+                  <a:srgbClr val="FFFF00"/>
+                </a:solidFill>
+                <a:effectLst/>
+                <a:latin typeface="Arial Unicode MS"/>
+              </a:rPr>
+              <a:t>author</a:t>
+            </a:r>
+            <a:r>
+              <a:rPr kumimoji="0" lang="ko-KR" altLang="ko-KR" sz="1000" b="0" i="0" u="none" strike="noStrike" cap="none" normalizeH="0" baseline="0" dirty="0">
+                <a:ln>
+                  <a:noFill/>
+                </a:ln>
+                <a:solidFill>
+                  <a:srgbClr val="FFFF00"/>
+                </a:solidFill>
+                <a:effectLst/>
+                <a:latin typeface="Arial Unicode MS"/>
+              </a:rPr>
+              <a:t>; </a:t>
+            </a:r>
+            <a:r>
+              <a:rPr kumimoji="0" lang="en-US" altLang="ko-KR" sz="1000" b="0" i="0" u="none" strike="noStrike" cap="none" normalizeH="0" baseline="0" dirty="0">
+                <a:ln>
+                  <a:noFill/>
+                </a:ln>
+                <a:solidFill>
+                  <a:srgbClr val="FFFF00"/>
+                </a:solidFill>
+                <a:effectLst/>
+                <a:latin typeface="Arial Unicode MS"/>
+              </a:rPr>
+              <a:t> </a:t>
+            </a:r>
+          </a:p>
+          <a:p>
+            <a:pPr marL="0" marR="0" lvl="0" indent="0" algn="l" defTabSz="914400" rtl="0" eaLnBrk="0" fontAlgn="base" latinLnBrk="0" hangingPunct="0">
+              <a:lnSpc>
+                <a:spcPct val="100000"/>
+              </a:lnSpc>
+              <a:spcBef>
+                <a:spcPct val="0"/>
+              </a:spcBef>
+              <a:spcAft>
+                <a:spcPct val="0"/>
+              </a:spcAft>
+              <a:buClrTx/>
+              <a:buSzTx/>
+              <a:buFontTx/>
+              <a:buNone/>
+              <a:tabLst/>
+            </a:pPr>
+            <a:r>
+              <a:rPr kumimoji="0" lang="ko-KR" altLang="ko-KR" sz="1000" b="0" i="0" u="none" strike="noStrike" cap="none" normalizeH="0" baseline="0" dirty="0" err="1">
+                <a:ln>
+                  <a:noFill/>
+                </a:ln>
+                <a:solidFill>
+                  <a:srgbClr val="FFFF00"/>
+                </a:solidFill>
+                <a:effectLst/>
+                <a:latin typeface="Arial Unicode MS"/>
+              </a:rPr>
+              <a:t>private</a:t>
+            </a:r>
+            <a:r>
+              <a:rPr kumimoji="0" lang="ko-KR" altLang="ko-KR" sz="1000" b="0" i="0" u="none" strike="noStrike" cap="none" normalizeH="0" baseline="0" dirty="0">
+                <a:ln>
+                  <a:noFill/>
+                </a:ln>
+                <a:solidFill>
+                  <a:srgbClr val="FFFF00"/>
+                </a:solidFill>
+                <a:effectLst/>
+                <a:latin typeface="Arial Unicode MS"/>
+              </a:rPr>
+              <a:t> </a:t>
+            </a:r>
+            <a:r>
+              <a:rPr kumimoji="0" lang="ko-KR" altLang="ko-KR" sz="1000" b="0" i="0" u="none" strike="noStrike" cap="none" normalizeH="0" baseline="0" dirty="0" err="1">
+                <a:ln>
+                  <a:noFill/>
+                </a:ln>
+                <a:solidFill>
+                  <a:srgbClr val="FFFF00"/>
+                </a:solidFill>
+                <a:effectLst/>
+                <a:latin typeface="Arial Unicode MS"/>
+              </a:rPr>
+              <a:t>String</a:t>
+            </a:r>
+            <a:r>
+              <a:rPr kumimoji="0" lang="ko-KR" altLang="ko-KR" sz="1000" b="0" i="0" u="none" strike="noStrike" cap="none" normalizeH="0" baseline="0" dirty="0">
+                <a:ln>
+                  <a:noFill/>
+                </a:ln>
+                <a:solidFill>
+                  <a:srgbClr val="FFFF00"/>
+                </a:solidFill>
+                <a:effectLst/>
+                <a:latin typeface="Arial Unicode MS"/>
+              </a:rPr>
+              <a:t> </a:t>
+            </a:r>
+            <a:r>
+              <a:rPr kumimoji="0" lang="ko-KR" altLang="ko-KR" sz="1000" b="0" i="0" u="none" strike="noStrike" cap="none" normalizeH="0" baseline="0" dirty="0" err="1">
+                <a:ln>
+                  <a:noFill/>
+                </a:ln>
+                <a:solidFill>
+                  <a:srgbClr val="FFFF00"/>
+                </a:solidFill>
+                <a:effectLst/>
+                <a:latin typeface="Arial Unicode MS"/>
+              </a:rPr>
+              <a:t>discount</a:t>
+            </a:r>
+            <a:r>
+              <a:rPr lang="en-US" altLang="ko-KR" sz="1000" dirty="0">
+                <a:solidFill>
+                  <a:srgbClr val="FFFF00"/>
+                </a:solidFill>
+                <a:latin typeface="Arial Unicode MS"/>
+              </a:rPr>
+              <a:t>;</a:t>
+            </a:r>
+            <a:endParaRPr kumimoji="0" lang="en-US" altLang="ko-KR" sz="1000" b="0" i="0" u="none" strike="noStrike" cap="none" normalizeH="0" baseline="0" dirty="0">
+              <a:ln>
+                <a:noFill/>
+              </a:ln>
+              <a:solidFill>
+                <a:srgbClr val="FFFF00"/>
+              </a:solidFill>
+              <a:effectLst/>
+              <a:latin typeface="Arial Unicode MS"/>
+            </a:endParaRPr>
+          </a:p>
+          <a:p>
+            <a:pPr marL="0" marR="0" lvl="0" indent="0" algn="l" defTabSz="914400" rtl="0" eaLnBrk="0" fontAlgn="base" latinLnBrk="0" hangingPunct="0">
+              <a:lnSpc>
+                <a:spcPct val="100000"/>
+              </a:lnSpc>
+              <a:spcBef>
+                <a:spcPct val="0"/>
+              </a:spcBef>
+              <a:spcAft>
+                <a:spcPct val="0"/>
+              </a:spcAft>
+              <a:buClrTx/>
+              <a:buSzTx/>
+              <a:buFontTx/>
+              <a:buNone/>
+              <a:tabLst/>
+            </a:pPr>
+            <a:r>
+              <a:rPr kumimoji="0" lang="ko-KR" altLang="ko-KR" sz="1000" b="0" i="0" u="none" strike="noStrike" cap="none" normalizeH="0" baseline="0" dirty="0" err="1">
+                <a:ln>
+                  <a:noFill/>
+                </a:ln>
+                <a:solidFill>
+                  <a:srgbClr val="FFFF00"/>
+                </a:solidFill>
+                <a:effectLst/>
+                <a:latin typeface="Arial Unicode MS"/>
+              </a:rPr>
+              <a:t>private</a:t>
+            </a:r>
+            <a:r>
+              <a:rPr kumimoji="0" lang="ko-KR" altLang="ko-KR" sz="1000" b="0" i="0" u="none" strike="noStrike" cap="none" normalizeH="0" baseline="0" dirty="0">
+                <a:ln>
+                  <a:noFill/>
+                </a:ln>
+                <a:solidFill>
+                  <a:srgbClr val="FFFF00"/>
+                </a:solidFill>
+                <a:effectLst/>
+                <a:latin typeface="Arial Unicode MS"/>
+              </a:rPr>
+              <a:t> </a:t>
+            </a:r>
+            <a:r>
+              <a:rPr kumimoji="0" lang="ko-KR" altLang="ko-KR" sz="1000" b="0" i="0" u="none" strike="noStrike" cap="none" normalizeH="0" baseline="0" dirty="0" err="1">
+                <a:ln>
+                  <a:noFill/>
+                </a:ln>
+                <a:solidFill>
+                  <a:srgbClr val="FFFF00"/>
+                </a:solidFill>
+                <a:effectLst/>
+                <a:latin typeface="Arial Unicode MS"/>
+              </a:rPr>
+              <a:t>String</a:t>
+            </a:r>
+            <a:r>
+              <a:rPr kumimoji="0" lang="ko-KR" altLang="ko-KR" sz="1000" b="0" i="0" u="none" strike="noStrike" cap="none" normalizeH="0" baseline="0" dirty="0">
+                <a:ln>
+                  <a:noFill/>
+                </a:ln>
+                <a:solidFill>
+                  <a:srgbClr val="FFFF00"/>
+                </a:solidFill>
+                <a:effectLst/>
+                <a:latin typeface="Arial Unicode MS"/>
+              </a:rPr>
+              <a:t> </a:t>
+            </a:r>
+            <a:r>
+              <a:rPr kumimoji="0" lang="ko-KR" altLang="ko-KR" sz="1000" b="0" i="0" u="none" strike="noStrike" cap="none" normalizeH="0" baseline="0" dirty="0" err="1">
+                <a:ln>
+                  <a:noFill/>
+                </a:ln>
+                <a:solidFill>
+                  <a:srgbClr val="FFFF00"/>
+                </a:solidFill>
+                <a:effectLst/>
+                <a:latin typeface="Arial Unicode MS"/>
+              </a:rPr>
+              <a:t>publisher</a:t>
+            </a:r>
+            <a:r>
+              <a:rPr kumimoji="0" lang="ko-KR" altLang="ko-KR" sz="1000" b="0" i="0" u="none" strike="noStrike" cap="none" normalizeH="0" baseline="0" dirty="0">
+                <a:ln>
+                  <a:noFill/>
+                </a:ln>
+                <a:solidFill>
+                  <a:srgbClr val="FFFF00"/>
+                </a:solidFill>
+                <a:effectLst/>
+                <a:latin typeface="Arial Unicode MS"/>
+              </a:rPr>
+              <a:t>;</a:t>
+            </a:r>
+            <a:r>
+              <a:rPr kumimoji="0" lang="en-US" altLang="ko-KR" sz="1000" b="0" i="0" u="none" strike="noStrike" cap="none" normalizeH="0" baseline="0" dirty="0">
+                <a:ln>
+                  <a:noFill/>
+                </a:ln>
+                <a:solidFill>
+                  <a:srgbClr val="FFFF00"/>
+                </a:solidFill>
+                <a:effectLst/>
+                <a:latin typeface="Arial Unicode MS"/>
+              </a:rPr>
+              <a:t> </a:t>
+            </a:r>
+          </a:p>
+          <a:p>
+            <a:pPr marL="0" marR="0" lvl="0" indent="0" algn="l" defTabSz="914400" rtl="0" eaLnBrk="0" fontAlgn="base" latinLnBrk="0" hangingPunct="0">
+              <a:lnSpc>
+                <a:spcPct val="100000"/>
+              </a:lnSpc>
+              <a:spcBef>
+                <a:spcPct val="0"/>
+              </a:spcBef>
+              <a:spcAft>
+                <a:spcPct val="0"/>
+              </a:spcAft>
+              <a:buClrTx/>
+              <a:buSzTx/>
+              <a:buFontTx/>
+              <a:buNone/>
+              <a:tabLst/>
+            </a:pPr>
+            <a:r>
+              <a:rPr kumimoji="0" lang="ko-KR" altLang="ko-KR" sz="1000" b="0" i="0" u="none" strike="noStrike" cap="none" normalizeH="0" baseline="0" dirty="0" err="1">
+                <a:ln>
+                  <a:noFill/>
+                </a:ln>
+                <a:solidFill>
+                  <a:srgbClr val="FFFF00"/>
+                </a:solidFill>
+                <a:effectLst/>
+                <a:latin typeface="Arial Unicode MS"/>
+              </a:rPr>
+              <a:t>private</a:t>
+            </a:r>
+            <a:r>
+              <a:rPr kumimoji="0" lang="ko-KR" altLang="ko-KR" sz="1000" b="0" i="0" u="none" strike="noStrike" cap="none" normalizeH="0" baseline="0" dirty="0">
+                <a:ln>
+                  <a:noFill/>
+                </a:ln>
+                <a:solidFill>
+                  <a:srgbClr val="FFFF00"/>
+                </a:solidFill>
+                <a:effectLst/>
+                <a:latin typeface="Arial Unicode MS"/>
+              </a:rPr>
+              <a:t> </a:t>
+            </a:r>
+            <a:r>
+              <a:rPr kumimoji="0" lang="ko-KR" altLang="ko-KR" sz="1000" b="0" i="0" u="none" strike="noStrike" cap="none" normalizeH="0" baseline="0" dirty="0" err="1">
+                <a:ln>
+                  <a:noFill/>
+                </a:ln>
+                <a:solidFill>
+                  <a:srgbClr val="FFFF00"/>
+                </a:solidFill>
+                <a:effectLst/>
+                <a:latin typeface="Arial Unicode MS"/>
+              </a:rPr>
+              <a:t>String</a:t>
+            </a:r>
+            <a:r>
+              <a:rPr kumimoji="0" lang="ko-KR" altLang="ko-KR" sz="1000" b="0" i="0" u="none" strike="noStrike" cap="none" normalizeH="0" baseline="0" dirty="0">
+                <a:ln>
+                  <a:noFill/>
+                </a:ln>
+                <a:solidFill>
+                  <a:srgbClr val="FFFF00"/>
+                </a:solidFill>
+                <a:effectLst/>
+                <a:latin typeface="Arial Unicode MS"/>
+              </a:rPr>
+              <a:t> </a:t>
+            </a:r>
+            <a:r>
+              <a:rPr kumimoji="0" lang="ko-KR" altLang="ko-KR" sz="1000" b="0" i="0" u="none" strike="noStrike" cap="none" normalizeH="0" baseline="0" dirty="0" err="1">
+                <a:ln>
+                  <a:noFill/>
+                </a:ln>
+                <a:solidFill>
+                  <a:srgbClr val="FFFF00"/>
+                </a:solidFill>
+                <a:effectLst/>
+                <a:latin typeface="Arial Unicode MS"/>
+              </a:rPr>
+              <a:t>isbn</a:t>
+            </a:r>
+            <a:r>
+              <a:rPr kumimoji="0" lang="ko-KR" altLang="ko-KR" sz="1000" b="0" i="0" u="none" strike="noStrike" cap="none" normalizeH="0" baseline="0" dirty="0">
+                <a:ln>
+                  <a:noFill/>
+                </a:ln>
+                <a:solidFill>
+                  <a:srgbClr val="FFFF00"/>
+                </a:solidFill>
+                <a:effectLst/>
+                <a:latin typeface="Arial Unicode MS"/>
+              </a:rPr>
+              <a:t>; </a:t>
+            </a:r>
+            <a:r>
+              <a:rPr kumimoji="0" lang="en-US" altLang="ko-KR" sz="1000" b="0" i="0" u="none" strike="noStrike" cap="none" normalizeH="0" baseline="0" dirty="0">
+                <a:ln>
+                  <a:noFill/>
+                </a:ln>
+                <a:solidFill>
+                  <a:srgbClr val="FFFF00"/>
+                </a:solidFill>
+                <a:effectLst/>
+                <a:latin typeface="Arial Unicode MS"/>
+              </a:rPr>
+              <a:t> </a:t>
+            </a:r>
+          </a:p>
+          <a:p>
+            <a:pPr marL="0" marR="0" lvl="0" indent="0" algn="l" defTabSz="914400" rtl="0" eaLnBrk="0" fontAlgn="base" latinLnBrk="0" hangingPunct="0">
+              <a:lnSpc>
+                <a:spcPct val="100000"/>
+              </a:lnSpc>
+              <a:spcBef>
+                <a:spcPct val="0"/>
+              </a:spcBef>
+              <a:spcAft>
+                <a:spcPct val="0"/>
+              </a:spcAft>
+              <a:buClrTx/>
+              <a:buSzTx/>
+              <a:buFontTx/>
+              <a:buNone/>
+              <a:tabLst/>
+            </a:pPr>
+            <a:r>
+              <a:rPr kumimoji="0" lang="ko-KR" altLang="ko-KR" sz="1000" b="0" i="0" u="none" strike="noStrike" cap="none" normalizeH="0" baseline="0" dirty="0" err="1">
+                <a:ln>
+                  <a:noFill/>
+                </a:ln>
+                <a:solidFill>
+                  <a:srgbClr val="FFFF00"/>
+                </a:solidFill>
+                <a:effectLst/>
+                <a:latin typeface="Arial Unicode MS"/>
+              </a:rPr>
+              <a:t>private</a:t>
+            </a:r>
+            <a:r>
+              <a:rPr kumimoji="0" lang="ko-KR" altLang="ko-KR" sz="1000" b="0" i="0" u="none" strike="noStrike" cap="none" normalizeH="0" baseline="0" dirty="0">
+                <a:ln>
+                  <a:noFill/>
+                </a:ln>
+                <a:solidFill>
+                  <a:srgbClr val="FFFF00"/>
+                </a:solidFill>
+                <a:effectLst/>
+                <a:latin typeface="Arial Unicode MS"/>
+              </a:rPr>
+              <a:t> </a:t>
+            </a:r>
+            <a:r>
+              <a:rPr kumimoji="0" lang="ko-KR" altLang="ko-KR" sz="1000" b="0" i="0" u="none" strike="noStrike" cap="none" normalizeH="0" baseline="0" dirty="0" err="1">
+                <a:ln>
+                  <a:noFill/>
+                </a:ln>
+                <a:solidFill>
+                  <a:srgbClr val="FFFF00"/>
+                </a:solidFill>
+                <a:effectLst/>
+                <a:latin typeface="Arial Unicode MS"/>
+              </a:rPr>
+              <a:t>String</a:t>
+            </a:r>
+            <a:r>
+              <a:rPr kumimoji="0" lang="ko-KR" altLang="ko-KR" sz="1000" b="0" i="0" u="none" strike="noStrike" cap="none" normalizeH="0" baseline="0" dirty="0">
+                <a:ln>
+                  <a:noFill/>
+                </a:ln>
+                <a:solidFill>
+                  <a:srgbClr val="FFFF00"/>
+                </a:solidFill>
+                <a:effectLst/>
+                <a:latin typeface="Arial Unicode MS"/>
+              </a:rPr>
+              <a:t> </a:t>
+            </a:r>
+            <a:r>
+              <a:rPr kumimoji="0" lang="ko-KR" altLang="ko-KR" sz="1000" b="0" i="0" u="none" strike="noStrike" cap="none" normalizeH="0" baseline="0" dirty="0" err="1">
+                <a:ln>
+                  <a:noFill/>
+                </a:ln>
+                <a:solidFill>
+                  <a:srgbClr val="FFFF00"/>
+                </a:solidFill>
+                <a:effectLst/>
+                <a:latin typeface="Arial Unicode MS"/>
+              </a:rPr>
+              <a:t>description</a:t>
+            </a:r>
+            <a:r>
+              <a:rPr kumimoji="0" lang="en-US" altLang="ko-KR" sz="1000" b="0" i="0" u="none" strike="noStrike" cap="none" normalizeH="0" baseline="0" dirty="0">
+                <a:ln>
+                  <a:noFill/>
+                </a:ln>
+                <a:solidFill>
+                  <a:srgbClr val="FFFF00"/>
+                </a:solidFill>
+                <a:effectLst/>
+                <a:latin typeface="Arial Unicode MS"/>
+              </a:rPr>
+              <a:t> </a:t>
+            </a:r>
+          </a:p>
+          <a:p>
+            <a:pPr marL="0" marR="0" lvl="0" indent="0" algn="l" defTabSz="914400" rtl="0" eaLnBrk="0" fontAlgn="base" latinLnBrk="0" hangingPunct="0">
+              <a:lnSpc>
+                <a:spcPct val="100000"/>
+              </a:lnSpc>
+              <a:spcBef>
+                <a:spcPct val="0"/>
+              </a:spcBef>
+              <a:spcAft>
+                <a:spcPct val="0"/>
+              </a:spcAft>
+              <a:buClrTx/>
+              <a:buSzTx/>
+              <a:buFontTx/>
+              <a:buNone/>
+              <a:tabLst/>
+            </a:pPr>
+            <a:r>
+              <a:rPr kumimoji="0" lang="ko-KR" altLang="ko-KR" sz="1000" b="0" i="0" u="none" strike="noStrike" cap="none" normalizeH="0" baseline="0" dirty="0" err="1">
+                <a:ln>
+                  <a:noFill/>
+                </a:ln>
+                <a:solidFill>
+                  <a:srgbClr val="FFFF00"/>
+                </a:solidFill>
+                <a:effectLst/>
+                <a:latin typeface="Arial Unicode MS"/>
+              </a:rPr>
+              <a:t>private</a:t>
+            </a:r>
+            <a:r>
+              <a:rPr kumimoji="0" lang="ko-KR" altLang="ko-KR" sz="1000" b="0" i="0" u="none" strike="noStrike" cap="none" normalizeH="0" baseline="0" dirty="0">
+                <a:ln>
+                  <a:noFill/>
+                </a:ln>
+                <a:solidFill>
+                  <a:srgbClr val="FFFF00"/>
+                </a:solidFill>
+                <a:effectLst/>
+                <a:latin typeface="Arial Unicode MS"/>
+              </a:rPr>
+              <a:t> </a:t>
+            </a:r>
+            <a:r>
+              <a:rPr kumimoji="0" lang="ko-KR" altLang="ko-KR" sz="1000" b="0" i="0" u="none" strike="noStrike" cap="none" normalizeH="0" baseline="0" dirty="0" err="1">
+                <a:ln>
+                  <a:noFill/>
+                </a:ln>
+                <a:solidFill>
+                  <a:srgbClr val="FFFF00"/>
+                </a:solidFill>
+                <a:effectLst/>
+                <a:latin typeface="Arial Unicode MS"/>
+              </a:rPr>
+              <a:t>String</a:t>
+            </a:r>
+            <a:r>
+              <a:rPr kumimoji="0" lang="ko-KR" altLang="ko-KR" sz="1000" b="0" i="0" u="none" strike="noStrike" cap="none" normalizeH="0" baseline="0" dirty="0">
+                <a:ln>
+                  <a:noFill/>
+                </a:ln>
+                <a:solidFill>
+                  <a:srgbClr val="FFFF00"/>
+                </a:solidFill>
+                <a:effectLst/>
+                <a:latin typeface="Arial Unicode MS"/>
+              </a:rPr>
+              <a:t> </a:t>
+            </a:r>
+            <a:r>
+              <a:rPr kumimoji="0" lang="ko-KR" altLang="ko-KR" sz="1000" b="0" i="0" u="none" strike="noStrike" cap="none" normalizeH="0" baseline="0" dirty="0" err="1">
+                <a:ln>
+                  <a:noFill/>
+                </a:ln>
+                <a:solidFill>
+                  <a:srgbClr val="FFFF00"/>
+                </a:solidFill>
+                <a:effectLst/>
+                <a:latin typeface="Arial Unicode MS"/>
+              </a:rPr>
+              <a:t>pubdate</a:t>
+            </a:r>
+            <a:r>
+              <a:rPr kumimoji="0" lang="ko-KR" altLang="ko-KR" sz="1000" b="0" i="0" u="none" strike="noStrike" cap="none" normalizeH="0" baseline="0" dirty="0">
+                <a:ln>
+                  <a:noFill/>
+                </a:ln>
+                <a:solidFill>
+                  <a:srgbClr val="FFFF00"/>
+                </a:solidFill>
+                <a:effectLst/>
+                <a:latin typeface="Arial Unicode MS"/>
+              </a:rPr>
+              <a:t>; </a:t>
+            </a:r>
+            <a:r>
+              <a:rPr kumimoji="0" lang="en-US" altLang="ko-KR" sz="1000" b="0" i="0" u="none" strike="noStrike" cap="none" normalizeH="0" baseline="0" dirty="0">
+                <a:ln>
+                  <a:noFill/>
+                </a:ln>
+                <a:solidFill>
+                  <a:srgbClr val="FFFF00"/>
+                </a:solidFill>
+                <a:effectLst/>
+                <a:latin typeface="Arial Unicode MS"/>
+              </a:rPr>
+              <a:t> </a:t>
+            </a:r>
+            <a:r>
+              <a:rPr kumimoji="0" lang="ko-KR" altLang="ko-KR" sz="1000" b="0" i="0" u="none" strike="noStrike" cap="none" normalizeH="0" baseline="0" dirty="0">
+                <a:ln>
+                  <a:noFill/>
+                </a:ln>
+                <a:solidFill>
+                  <a:srgbClr val="FFFF00"/>
+                </a:solidFill>
+                <a:effectLst/>
+                <a:latin typeface="Arial Unicode MS"/>
+              </a:rPr>
+              <a:t>}</a:t>
+            </a:r>
+            <a:r>
+              <a:rPr kumimoji="0" lang="ko-KR" altLang="ko-KR" sz="800" b="0" i="0" u="none" strike="noStrike" cap="none" normalizeH="0" baseline="0" dirty="0">
+                <a:ln>
+                  <a:noFill/>
+                </a:ln>
+                <a:solidFill>
+                  <a:srgbClr val="FFFF00"/>
+                </a:solidFill>
+                <a:effectLst/>
+              </a:rPr>
+              <a:t> </a:t>
+            </a:r>
+            <a:endParaRPr kumimoji="0" lang="ko-KR" altLang="ko-KR" sz="1800" b="0" i="0" u="none" strike="noStrike" cap="none" normalizeH="0" baseline="0" dirty="0">
+              <a:ln>
+                <a:noFill/>
+              </a:ln>
+              <a:solidFill>
+                <a:srgbClr val="FFFF00"/>
+              </a:solidFill>
+              <a:effectLst/>
+              <a:latin typeface="Arial" panose="020B0604020202020204" pitchFamily="34" charset="0"/>
+            </a:endParaRPr>
+          </a:p>
+        </p:txBody>
+      </p:sp>
+      <p:sp>
+        <p:nvSpPr>
+          <p:cNvPr id="33" name="TextBox 32">
+            <a:extLst>
+              <a:ext uri="{FF2B5EF4-FFF2-40B4-BE49-F238E27FC236}">
+                <a16:creationId xmlns:a16="http://schemas.microsoft.com/office/drawing/2014/main" id="{A13B9905-E5BB-DD5F-D1DB-F117A2F0B81A}"/>
+              </a:ext>
+            </a:extLst>
+          </p:cNvPr>
+          <p:cNvSpPr txBox="1"/>
+          <p:nvPr/>
+        </p:nvSpPr>
+        <p:spPr>
+          <a:xfrm>
+            <a:off x="769188" y="4396203"/>
+            <a:ext cx="2095931" cy="1446550"/>
+          </a:xfrm>
+          <a:prstGeom prst="rect">
+            <a:avLst/>
+          </a:prstGeom>
+          <a:noFill/>
+        </p:spPr>
+        <p:txBody>
+          <a:bodyPr wrap="square" rtlCol="0">
+            <a:spAutoFit/>
+          </a:bodyPr>
+          <a:lstStyle/>
+          <a:p>
+            <a:r>
+              <a:rPr lang="en-US" altLang="ko-KR" sz="1100" dirty="0">
+                <a:solidFill>
+                  <a:srgbClr val="FFFF00"/>
+                </a:solidFill>
+              </a:rPr>
+              <a:t>List&lt;</a:t>
+            </a:r>
+            <a:r>
+              <a:rPr lang="en-US" altLang="ko-KR" sz="1100" dirty="0" err="1">
+                <a:solidFill>
+                  <a:srgbClr val="FFFF00"/>
+                </a:solidFill>
+              </a:rPr>
+              <a:t>BookVO</a:t>
+            </a:r>
+            <a:r>
+              <a:rPr lang="en-US" altLang="ko-KR" sz="1100" dirty="0">
+                <a:solidFill>
+                  <a:srgbClr val="FFFF00"/>
+                </a:solidFill>
+              </a:rPr>
+              <a:t>&gt;</a:t>
+            </a:r>
+          </a:p>
+          <a:p>
+            <a:r>
+              <a:rPr lang="en-US" altLang="ko-KR" sz="1100" dirty="0" err="1">
+                <a:solidFill>
+                  <a:srgbClr val="FFFF00"/>
+                </a:solidFill>
+              </a:rPr>
+              <a:t>b_seq</a:t>
+            </a:r>
+            <a:r>
+              <a:rPr lang="en-US" altLang="ko-KR" sz="1100" dirty="0">
+                <a:solidFill>
+                  <a:srgbClr val="FFFF00"/>
+                </a:solidFill>
+              </a:rPr>
+              <a:t> &lt;PK&gt;</a:t>
+            </a:r>
+          </a:p>
+          <a:p>
+            <a:r>
+              <a:rPr lang="en-US" altLang="ko-KR" sz="1100" dirty="0" err="1">
+                <a:solidFill>
+                  <a:srgbClr val="FFFF00"/>
+                </a:solidFill>
+              </a:rPr>
+              <a:t>b_isbn</a:t>
+            </a:r>
+            <a:endParaRPr lang="en-US" altLang="ko-KR" sz="1100" dirty="0">
+              <a:solidFill>
+                <a:srgbClr val="FFFF00"/>
+              </a:solidFill>
+            </a:endParaRPr>
+          </a:p>
+          <a:p>
+            <a:r>
+              <a:rPr lang="en-US" altLang="ko-KR" sz="1100" dirty="0" err="1">
+                <a:solidFill>
+                  <a:srgbClr val="FFFF00"/>
+                </a:solidFill>
+              </a:rPr>
+              <a:t>b_phrase</a:t>
+            </a:r>
+            <a:r>
+              <a:rPr lang="en-US" altLang="ko-KR" sz="1100" dirty="0">
+                <a:solidFill>
+                  <a:srgbClr val="FFFF00"/>
+                </a:solidFill>
+              </a:rPr>
+              <a:t> //</a:t>
+            </a:r>
+            <a:r>
+              <a:rPr lang="ko-KR" altLang="en-US" sz="1100" dirty="0">
+                <a:solidFill>
+                  <a:srgbClr val="FFFF00"/>
+                </a:solidFill>
+              </a:rPr>
+              <a:t>기억 남는 구절</a:t>
+            </a:r>
+            <a:endParaRPr lang="en-US" altLang="ko-KR" sz="1100" dirty="0">
+              <a:solidFill>
+                <a:srgbClr val="FFFF00"/>
+              </a:solidFill>
+            </a:endParaRPr>
+          </a:p>
+          <a:p>
+            <a:r>
+              <a:rPr lang="en-US" altLang="ko-KR" sz="1100" dirty="0" err="1">
+                <a:solidFill>
+                  <a:srgbClr val="FFFF00"/>
+                </a:solidFill>
+              </a:rPr>
+              <a:t>b_post</a:t>
+            </a:r>
+            <a:r>
+              <a:rPr lang="en-US" altLang="ko-KR" sz="1100" dirty="0">
+                <a:solidFill>
+                  <a:srgbClr val="FFFF00"/>
+                </a:solidFill>
+              </a:rPr>
+              <a:t> // </a:t>
+            </a:r>
+            <a:r>
+              <a:rPr lang="ko-KR" altLang="en-US" sz="1100" dirty="0">
+                <a:solidFill>
+                  <a:srgbClr val="FFFF00"/>
+                </a:solidFill>
+              </a:rPr>
+              <a:t>후기</a:t>
+            </a:r>
+            <a:endParaRPr lang="en-US" altLang="ko-KR" sz="1100" dirty="0">
+              <a:solidFill>
+                <a:srgbClr val="FFFF00"/>
+              </a:solidFill>
+            </a:endParaRPr>
+          </a:p>
+          <a:p>
+            <a:r>
+              <a:rPr lang="en-US" altLang="ko-KR" sz="1100" dirty="0" err="1">
+                <a:solidFill>
+                  <a:srgbClr val="FFFF00"/>
+                </a:solidFill>
+              </a:rPr>
+              <a:t>b_page</a:t>
+            </a:r>
+            <a:endParaRPr lang="en-US" altLang="ko-KR" sz="1100" dirty="0">
+              <a:solidFill>
+                <a:srgbClr val="FFFF00"/>
+              </a:solidFill>
+            </a:endParaRPr>
+          </a:p>
+          <a:p>
+            <a:r>
+              <a:rPr lang="en-US" altLang="ko-KR" sz="1100" dirty="0" err="1">
+                <a:solidFill>
+                  <a:srgbClr val="FFFF00"/>
+                </a:solidFill>
+              </a:rPr>
+              <a:t>b_comp</a:t>
+            </a:r>
+            <a:r>
+              <a:rPr lang="en-US" altLang="ko-KR" sz="1100" dirty="0">
+                <a:solidFill>
+                  <a:srgbClr val="FFFF00"/>
+                </a:solidFill>
+              </a:rPr>
+              <a:t> // </a:t>
+            </a:r>
+            <a:r>
+              <a:rPr lang="ko-KR" altLang="en-US" sz="1100" dirty="0">
+                <a:solidFill>
+                  <a:srgbClr val="FFFF00"/>
+                </a:solidFill>
+              </a:rPr>
+              <a:t>완독 여부</a:t>
+            </a:r>
+            <a:endParaRPr lang="en-US" altLang="ko-KR" sz="1100" dirty="0">
+              <a:solidFill>
+                <a:srgbClr val="FFFF00"/>
+              </a:solidFill>
+            </a:endParaRPr>
+          </a:p>
+          <a:p>
+            <a:r>
+              <a:rPr lang="en-US" altLang="ko-KR" sz="1100" dirty="0" err="1">
+                <a:solidFill>
+                  <a:srgbClr val="FFFF00"/>
+                </a:solidFill>
+              </a:rPr>
+              <a:t>B_theme</a:t>
+            </a:r>
+            <a:endParaRPr lang="en-US" altLang="ko-KR" sz="1100" dirty="0">
+              <a:solidFill>
+                <a:srgbClr val="FFFF00"/>
+              </a:solidFill>
+            </a:endParaRPr>
+          </a:p>
+        </p:txBody>
+      </p:sp>
+      <p:sp>
+        <p:nvSpPr>
+          <p:cNvPr id="34" name="TextBox 33">
+            <a:extLst>
+              <a:ext uri="{FF2B5EF4-FFF2-40B4-BE49-F238E27FC236}">
+                <a16:creationId xmlns:a16="http://schemas.microsoft.com/office/drawing/2014/main" id="{C2FB726F-CFD0-AA4F-30EB-79A7CFE8A33E}"/>
+              </a:ext>
+            </a:extLst>
+          </p:cNvPr>
+          <p:cNvSpPr txBox="1"/>
+          <p:nvPr/>
+        </p:nvSpPr>
+        <p:spPr>
+          <a:xfrm>
+            <a:off x="9457169" y="3909441"/>
+            <a:ext cx="2679488" cy="430887"/>
+          </a:xfrm>
+          <a:prstGeom prst="rect">
+            <a:avLst/>
+          </a:prstGeom>
+          <a:noFill/>
+        </p:spPr>
+        <p:txBody>
+          <a:bodyPr wrap="square" rtlCol="0">
+            <a:spAutoFit/>
+          </a:bodyPr>
+          <a:lstStyle/>
+          <a:p>
+            <a:r>
+              <a:rPr lang="ko-KR" altLang="en-US" sz="1100" dirty="0">
+                <a:solidFill>
+                  <a:schemeClr val="accent2"/>
+                </a:solidFill>
+              </a:rPr>
+              <a:t>칸당 나누어지는 값 구해서</a:t>
+            </a:r>
+            <a:endParaRPr lang="en-US" altLang="ko-KR" sz="1100" dirty="0">
+              <a:solidFill>
+                <a:schemeClr val="accent2"/>
+              </a:solidFill>
+            </a:endParaRPr>
+          </a:p>
+          <a:p>
+            <a:r>
+              <a:rPr lang="ko-KR" altLang="en-US" sz="1100" dirty="0">
+                <a:solidFill>
+                  <a:schemeClr val="accent2"/>
+                </a:solidFill>
+              </a:rPr>
+              <a:t>랜덤으로 책꽂이 오브젝트 추가</a:t>
+            </a:r>
+            <a:r>
+              <a:rPr lang="en-US" altLang="ko-KR" sz="1100" dirty="0">
+                <a:solidFill>
+                  <a:schemeClr val="accent2"/>
+                </a:solidFill>
+              </a:rPr>
+              <a:t>?</a:t>
             </a:r>
             <a:endParaRPr lang="ko-KR" altLang="en-US" sz="1100" dirty="0">
               <a:solidFill>
@@ -4648,13 +5918,6 @@
   <p:clrMapOvr>
     <a:masterClrMapping/>
   </p:clrMapOvr>
-  <p:timing>
-    <p:tnLst>
-      <p:par>
-        <p:cTn id="1" dur="indefinite" restart="never" nodeType="tmRoot"/>
-      </p:par>
-    </p:tnLst>
-  </p:timing>
 </p:sld>
 </file>
 
@@ -4803,7 +6066,7 @@
           <a:p>
             <a:pPr algn="ctr"/>
             <a:r>
-              <a:rPr lang="en-US" altLang="ko-KR" sz="3600" dirty="0" smtClean="0">
+              <a:rPr lang="en-US" altLang="ko-KR" sz="3600" dirty="0">
                 <a:solidFill>
                   <a:schemeClr val="bg1"/>
                 </a:solidFill>
@@ -5434,174 +6697,6 @@
           </a:p>
         </p:txBody>
       </p:sp>
-      <p:sp>
-        <p:nvSpPr>
-          <p:cNvPr id="26" name="TextBox 25"/>
-          <p:cNvSpPr txBox="1"/>
-          <p:nvPr/>
-        </p:nvSpPr>
-        <p:spPr>
-          <a:xfrm>
-            <a:off x="487570" y="2162462"/>
-            <a:ext cx="1259346" cy="1785104"/>
-          </a:xfrm>
-          <a:prstGeom prst="rect">
-            <a:avLst/>
-          </a:prstGeom>
-          <a:noFill/>
-        </p:spPr>
-        <p:txBody>
-          <a:bodyPr wrap="square" rtlCol="0">
-            <a:spAutoFit/>
-          </a:bodyPr>
-          <a:lstStyle/>
-          <a:p>
-            <a:r>
-              <a:rPr lang="en-US" altLang="ko-KR" sz="1100" dirty="0" smtClean="0">
-                <a:solidFill>
-                  <a:srgbClr val="FFFF00"/>
-                </a:solidFill>
-              </a:rPr>
-              <a:t>List&lt;</a:t>
-            </a:r>
-            <a:r>
-              <a:rPr lang="en-US" altLang="ko-KR" sz="1100" dirty="0" err="1" smtClean="0">
-                <a:solidFill>
-                  <a:srgbClr val="FFFF00"/>
-                </a:solidFill>
-              </a:rPr>
-              <a:t>BookVO</a:t>
-            </a:r>
-            <a:r>
-              <a:rPr lang="en-US" altLang="ko-KR" sz="1100" dirty="0" smtClean="0">
-                <a:solidFill>
-                  <a:srgbClr val="FFFF00"/>
-                </a:solidFill>
-              </a:rPr>
-              <a:t>&gt;</a:t>
-            </a:r>
-          </a:p>
-          <a:p>
-            <a:r>
-              <a:rPr lang="en-US" altLang="ko-KR" sz="1100" dirty="0" err="1" smtClean="0">
-                <a:solidFill>
-                  <a:srgbClr val="FFFF00"/>
-                </a:solidFill>
-              </a:rPr>
-              <a:t>Seq</a:t>
-            </a:r>
-            <a:r>
-              <a:rPr lang="en-US" altLang="ko-KR" sz="1100" dirty="0" smtClean="0">
-                <a:solidFill>
-                  <a:srgbClr val="FFFF00"/>
-                </a:solidFill>
-              </a:rPr>
-              <a:t>,</a:t>
-            </a:r>
-          </a:p>
-          <a:p>
-            <a:r>
-              <a:rPr lang="en-US" altLang="ko-KR" sz="1100" dirty="0" smtClean="0">
-                <a:solidFill>
-                  <a:srgbClr val="FFFF00"/>
-                </a:solidFill>
-              </a:rPr>
-              <a:t>Title,</a:t>
-            </a:r>
-          </a:p>
-          <a:p>
-            <a:r>
-              <a:rPr lang="en-US" altLang="ko-KR" sz="1100" dirty="0" smtClean="0">
-                <a:solidFill>
-                  <a:srgbClr val="FFFF00"/>
-                </a:solidFill>
-              </a:rPr>
-              <a:t>Author,</a:t>
-            </a:r>
-          </a:p>
-          <a:p>
-            <a:r>
-              <a:rPr lang="en-US" altLang="ko-KR" sz="1100" dirty="0" smtClean="0">
-                <a:solidFill>
-                  <a:srgbClr val="FFFF00"/>
-                </a:solidFill>
-              </a:rPr>
-              <a:t>Publisher,</a:t>
-            </a:r>
-          </a:p>
-          <a:p>
-            <a:r>
-              <a:rPr lang="en-US" altLang="ko-KR" sz="1100" dirty="0" smtClean="0">
-                <a:solidFill>
-                  <a:srgbClr val="FFFF00"/>
-                </a:solidFill>
-              </a:rPr>
-              <a:t>Price,</a:t>
-            </a:r>
-          </a:p>
-          <a:p>
-            <a:r>
-              <a:rPr lang="en-US" altLang="ko-KR" sz="1100" dirty="0" err="1" smtClean="0">
-                <a:solidFill>
-                  <a:srgbClr val="FFFF00"/>
-                </a:solidFill>
-              </a:rPr>
-              <a:t>Pubdate</a:t>
-            </a:r>
-            <a:r>
-              <a:rPr lang="en-US" altLang="ko-KR" sz="1100" dirty="0" smtClean="0">
-                <a:solidFill>
-                  <a:srgbClr val="FFFF00"/>
-                </a:solidFill>
-              </a:rPr>
-              <a:t>,</a:t>
-            </a:r>
-          </a:p>
-          <a:p>
-            <a:r>
-              <a:rPr lang="en-US" altLang="ko-KR" sz="1100" dirty="0" err="1" smtClean="0">
-                <a:solidFill>
-                  <a:srgbClr val="FFFF00"/>
-                </a:solidFill>
-              </a:rPr>
-              <a:t>Isbn</a:t>
-            </a:r>
-            <a:r>
-              <a:rPr lang="en-US" altLang="ko-KR" sz="1100" dirty="0" smtClean="0">
-                <a:solidFill>
-                  <a:srgbClr val="FFFF00"/>
-                </a:solidFill>
-              </a:rPr>
-              <a:t>,</a:t>
-            </a:r>
-            <a:endParaRPr lang="en-US" altLang="ko-KR" sz="1100" dirty="0">
-              <a:solidFill>
-                <a:srgbClr val="FFFF00"/>
-              </a:solidFill>
-            </a:endParaRPr>
-          </a:p>
-          <a:p>
-            <a:r>
-              <a:rPr lang="en-US" altLang="ko-KR" sz="1100" dirty="0" smtClean="0">
-                <a:solidFill>
-                  <a:srgbClr val="FFFF00"/>
-                </a:solidFill>
-              </a:rPr>
-              <a:t>Description,</a:t>
-            </a:r>
-          </a:p>
-          <a:p>
-            <a:r>
-              <a:rPr lang="en-US" altLang="ko-KR" sz="1100" dirty="0" smtClean="0">
-                <a:solidFill>
-                  <a:srgbClr val="FFFF00"/>
-                </a:solidFill>
-              </a:rPr>
-              <a:t>comp</a:t>
-            </a:r>
-          </a:p>
-        </p:txBody>
-      </p:sp>
       <p:pic>
         <p:nvPicPr>
           <p:cNvPr id="2" name="그림 1"/>
@@ -5649,18 +6744,13 @@
           <a:lstStyle/>
           <a:p>
             <a:r>
-              <a:rPr lang="ko-KR" altLang="en-US" sz="1600" dirty="0" smtClean="0">
+              <a:rPr lang="ko-KR" altLang="en-US" sz="1600" dirty="0">
                 <a:solidFill>
                   <a:schemeClr val="accent6"/>
                 </a:solidFill>
               </a:rPr>
               <a:t>덜 읽은 책</a:t>
             </a:r>
-            <a:endParaRPr lang="ko-KR" altLang="en-US" sz="1600" dirty="0">
-              <a:solidFill>
-                <a:schemeClr val="accent6"/>
-              </a:solidFill>
-            </a:endParaRPr>
           </a:p>
         </p:txBody>
       </p:sp>
@@ -5688,7 +6778,7 @@
           <a:p>
             <a:pPr algn="r"/>
             <a:r>
-              <a:rPr lang="en-US" altLang="ko-KR" sz="1100" dirty="0" smtClean="0">
+              <a:rPr lang="en-US" altLang="ko-KR" sz="1100" dirty="0">
                 <a:solidFill>
                   <a:schemeClr val="accent2"/>
                 </a:solidFill>
@@ -5696,7 +6786,7 @@
               <a:t>[</a:t>
             </a:r>
             <a:r>
-              <a:rPr lang="ko-KR" altLang="en-US" sz="1100" dirty="0" smtClean="0">
+              <a:rPr lang="ko-KR" altLang="en-US" sz="1100" dirty="0">
                 <a:solidFill>
                   <a:schemeClr val="accent2"/>
                 </a:solidFill>
@@ -5704,7 +6794,7 @@
               <a:t>책</a:t>
             </a:r>
             <a:r>
-              <a:rPr lang="en-US" altLang="ko-KR" sz="1100" dirty="0" smtClean="0">
+              <a:rPr lang="en-US" altLang="ko-KR" sz="1100" dirty="0">
                 <a:solidFill>
                   <a:schemeClr val="accent2"/>
                 </a:solidFill>
@@ -5712,18 +6802,13 @@
               <a:t>] </a:t>
             </a:r>
             <a:r>
-              <a:rPr lang="ko-KR" altLang="en-US" sz="1100" dirty="0" smtClean="0">
+              <a:rPr lang="ko-KR" altLang="en-US" sz="1100" dirty="0">
                 <a:solidFill>
                   <a:schemeClr val="accent2"/>
                 </a:solidFill>
               </a:rPr>
               <a:t>아래로 내려오는 애니메이션</a:t>
             </a:r>
-            <a:endParaRPr lang="ko-KR" altLang="en-US" sz="1100" dirty="0">
-              <a:solidFill>
-                <a:schemeClr val="accent2"/>
-              </a:solidFill>
-            </a:endParaRPr>
           </a:p>
         </p:txBody>
       </p:sp>
@@ -5750,11 +6835,11 @@
           <a:lstStyle/>
           <a:p>
             <a:r>
-              <a:rPr lang="ko-KR" altLang="en-US" dirty="0" smtClean="0"/>
+              <a:rPr lang="ko-KR" altLang="en-US" dirty="0"/>
               <a:t>책 제목 </a:t>
             </a:r>
             <a:r>
-              <a:rPr lang="en-US" altLang="ko-KR" dirty="0" smtClean="0"/>
+              <a:rPr lang="en-US" altLang="ko-KR" dirty="0"/>
               <a:t>/////////////////</a:t>
             </a:r>
             <a:endParaRPr lang="ko-KR" altLang="en-US" dirty="0"/>
@@ -5810,7 +6895,7 @@
         <p:spPr>
           <a:xfrm>
             <a:off x="6348027" y="2416983"/>
-            <a:ext cx="2187880" cy="600164"/>
+            <a:ext cx="3891298" cy="938719"/>
           </a:xfrm>
           <a:prstGeom prst="rect">
             <a:avLst/>
@@ -5824,7 +6909,7 @@
           <a:lstStyle/>
           <a:p>
             <a:r>
-              <a:rPr lang="ko-KR" altLang="en-US" sz="1100" dirty="0" smtClean="0">
+              <a:rPr lang="ko-KR" altLang="en-US" sz="1100" dirty="0">
                 <a:solidFill>
                   <a:schemeClr val="accent2"/>
                 </a:solidFill>
@@ -5839,7 +6924,7 @@
               <a:t>덜 읽은 책만 보임</a:t>
             </a:r>
             <a:r>
-              <a:rPr lang="en-US" altLang="ko-KR" sz="1100" dirty="0" smtClean="0">
+              <a:rPr lang="en-US" altLang="ko-KR" sz="1100" dirty="0">
                 <a:solidFill>
                   <a:schemeClr val="accent2"/>
                 </a:solidFill>
@@ -5854,7 +6939,7 @@
               <a:t>(</a:t>
             </a:r>
             <a:r>
-              <a:rPr lang="ko-KR" altLang="en-US" sz="1100" dirty="0" smtClean="0">
+              <a:rPr lang="ko-KR" altLang="en-US" sz="1100" dirty="0">
                 <a:solidFill>
                   <a:schemeClr val="accent2"/>
                 </a:solidFill>
@@ -5869,7 +6954,7 @@
               <a:t>책갈피</a:t>
             </a:r>
             <a:r>
-              <a:rPr lang="en-US" altLang="ko-KR" sz="1100" dirty="0" smtClean="0">
+              <a:rPr lang="en-US" altLang="ko-KR" sz="1100" dirty="0">
                 <a:solidFill>
                   <a:schemeClr val="accent2"/>
                 </a:solidFill>
@@ -5886,7 +6971,7 @@
           </a:p>
           <a:p>
             <a:r>
-              <a:rPr lang="ko-KR" altLang="en-US" sz="1100" dirty="0" smtClean="0">
+              <a:rPr lang="ko-KR" altLang="en-US" sz="1100" dirty="0">
                 <a:solidFill>
                   <a:schemeClr val="accent2"/>
                 </a:solidFill>
@@ -5900,7 +6985,110 @@
               </a:rPr>
               <a:t>책갈피 이미지 고민해보기</a:t>
             </a:r>
-            <a:endParaRPr lang="en-US" altLang="ko-KR" sz="1100" dirty="0" smtClean="0">
+            <a:endParaRPr lang="en-US" altLang="ko-KR" sz="1100" dirty="0">
+              <a:solidFill>
+                <a:schemeClr val="accent2"/>
+              </a:solidFill>
+              <a:effectLst>
+                <a:outerShdw blurRad="50800" dist="38100" dir="2700000" algn="tl" rotWithShape="0">
+                  <a:prstClr val="black">
+                    <a:alpha val="40000"/>
+                  </a:prstClr>
+                </a:outerShdw>
+              </a:effectLst>
+            </a:endParaRPr>
+          </a:p>
+          <a:p>
+            <a:endParaRPr lang="en-US" altLang="ko-KR" sz="1100" dirty="0">
+              <a:solidFill>
+                <a:schemeClr val="accent2"/>
+              </a:solidFill>
+              <a:effectLst>
+                <a:outerShdw blurRad="50800" dist="38100" dir="2700000" algn="tl" rotWithShape="0">
+                  <a:prstClr val="black">
+                    <a:alpha val="40000"/>
+                  </a:prstClr>
+                </a:outerShdw>
+              </a:effectLst>
+            </a:endParaRPr>
+          </a:p>
+          <a:p>
+            <a:r>
+              <a:rPr lang="en-US" altLang="ko-KR" sz="1100" dirty="0">
+                <a:solidFill>
+                  <a:schemeClr val="accent2"/>
+                </a:solidFill>
+                <a:effectLst>
+                  <a:outerShdw blurRad="50800" dist="38100" dir="2700000" algn="tl" rotWithShape="0">
+                    <a:prstClr val="black">
+                      <a:alpha val="40000"/>
+                    </a:prstClr>
+                  </a:outerShdw>
+                </a:effectLst>
+              </a:rPr>
+              <a:t>Controller</a:t>
+            </a:r>
+            <a:r>
+              <a:rPr lang="ko-KR" altLang="en-US" sz="1100" dirty="0">
+                <a:solidFill>
+                  <a:schemeClr val="accent2"/>
+                </a:solidFill>
+                <a:effectLst>
+                  <a:outerShdw blurRad="50800" dist="38100" dir="2700000" algn="tl" rotWithShape="0">
+                    <a:prstClr val="black">
+                      <a:alpha val="40000"/>
+                    </a:prstClr>
+                  </a:outerShdw>
+                </a:effectLst>
+              </a:rPr>
+              <a:t>에서 </a:t>
+            </a:r>
+            <a:r>
+              <a:rPr lang="en-US" altLang="ko-KR" sz="1100" dirty="0" err="1">
+                <a:solidFill>
+                  <a:schemeClr val="accent2"/>
+                </a:solidFill>
+                <a:effectLst>
+                  <a:outerShdw blurRad="50800" dist="38100" dir="2700000" algn="tl" rotWithShape="0">
+                    <a:prstClr val="black">
+                      <a:alpha val="40000"/>
+                    </a:prstClr>
+                  </a:outerShdw>
+                </a:effectLst>
+              </a:rPr>
+              <a:t>ramdom</a:t>
+            </a:r>
+            <a:r>
+              <a:rPr lang="en-US" altLang="ko-KR" sz="1100" dirty="0">
+                <a:solidFill>
+                  <a:schemeClr val="accent2"/>
+                </a:solidFill>
+                <a:effectLst>
+                  <a:outerShdw blurRad="50800" dist="38100" dir="2700000" algn="tl" rotWithShape="0">
+                    <a:prstClr val="black">
+                      <a:alpha val="40000"/>
+                    </a:prstClr>
+                  </a:outerShdw>
+                </a:effectLst>
+              </a:rPr>
+              <a:t>()</a:t>
+            </a:r>
+            <a:r>
+              <a:rPr lang="ko-KR" altLang="en-US" sz="1100" dirty="0">
+                <a:solidFill>
+                  <a:schemeClr val="accent2"/>
+                </a:solidFill>
+                <a:effectLst>
+                  <a:outerShdw blurRad="50800" dist="38100" dir="2700000" algn="tl" rotWithShape="0">
+                    <a:prstClr val="black">
+                      <a:alpha val="40000"/>
+                    </a:prstClr>
+                  </a:outerShdw>
+                </a:effectLst>
+              </a:rPr>
+              <a:t>사용해서 파일을 돌릴까 </a:t>
+            </a:r>
+            <a:endParaRPr lang="en-US" altLang="ko-KR" sz="1100" dirty="0">
               <a:solidFill>
                 <a:schemeClr val="accent2"/>
               </a:solidFill>
@@ -5953,18 +7141,17 @@
           <a:p>
             <a:pPr algn="r"/>
             <a:r>
-              <a:rPr lang="ko-KR" altLang="en-US" sz="1050" dirty="0" smtClean="0"/>
+              <a:rPr lang="ko-KR" altLang="en-US" sz="1050" dirty="0"/>
               <a:t>작가 </a:t>
             </a:r>
             <a:r>
-              <a:rPr lang="en-US" altLang="ko-KR" sz="1050" dirty="0" smtClean="0"/>
+              <a:rPr lang="en-US" altLang="ko-KR" sz="1050" dirty="0"/>
               <a:t>/ </a:t>
             </a:r>
             <a:r>
-              <a:rPr lang="ko-KR" altLang="en-US" sz="1050" dirty="0" smtClean="0"/>
+              <a:rPr lang="ko-KR" altLang="en-US" sz="1050" dirty="0"/>
               <a:t>출판사</a:t>
             </a:r>
-            <a:endParaRPr lang="ko-KR" altLang="en-US" sz="1050" dirty="0"/>
           </a:p>
         </p:txBody>
       </p:sp>
@@ -5992,10 +7179,9 @@
           <a:p>
             <a:pPr algn="r"/>
             <a:r>
-              <a:rPr lang="ko-KR" altLang="en-US" sz="1050" dirty="0" smtClean="0"/>
+              <a:rPr lang="ko-KR" altLang="en-US" sz="1050" dirty="0"/>
               <a:t>읽은 페이지</a:t>
             </a:r>
-            <a:endParaRPr lang="ko-KR" altLang="en-US" sz="1050" dirty="0"/>
           </a:p>
         </p:txBody>
       </p:sp>
@@ -6022,10 +7208,9 @@
           <a:lstStyle/>
           <a:p>
             <a:r>
-              <a:rPr lang="ko-KR" altLang="en-US" dirty="0" smtClean="0"/>
+              <a:rPr lang="ko-KR" altLang="en-US" dirty="0"/>
               <a:t>후기</a:t>
             </a:r>
-            <a:endParaRPr lang="ko-KR" altLang="en-US" dirty="0"/>
           </a:p>
         </p:txBody>
       </p:sp>
@@ -6093,10 +7278,9 @@
           <a:lstStyle/>
           <a:p>
             <a:r>
-              <a:rPr lang="ko-KR" altLang="en-US" dirty="0" smtClean="0"/>
+              <a:rPr lang="ko-KR" altLang="en-US" dirty="0"/>
               <a:t>기억에 남는 구절</a:t>
             </a:r>
-            <a:endParaRPr lang="ko-KR" altLang="en-US" dirty="0"/>
           </a:p>
         </p:txBody>
       </p:sp>
@@ -6205,19 +7389,19 @@
           <a:lstStyle/>
           <a:p>
             <a:r>
-              <a:rPr lang="ko-KR" altLang="en-US" dirty="0" smtClean="0"/>
+              <a:rPr lang="ko-KR" altLang="en-US" dirty="0"/>
               <a:t>도서 줄거리 정보</a:t>
             </a:r>
             <a:r>
-              <a:rPr lang="en-US" altLang="ko-KR" dirty="0" smtClean="0"/>
+              <a:rPr lang="en-US" altLang="ko-KR" dirty="0"/>
               <a:t>(</a:t>
             </a:r>
             <a:r>
-              <a:rPr lang="ko-KR" altLang="en-US" dirty="0" err="1" smtClean="0"/>
+              <a:rPr lang="ko-KR" altLang="en-US" dirty="0" err="1"/>
               <a:t>간략</a:t>
             </a:r>
             <a:r>
-              <a:rPr lang="en-US" altLang="ko-KR" dirty="0" smtClean="0"/>
+              <a:rPr lang="en-US" altLang="ko-KR" dirty="0"/>
               <a:t>)</a:t>
             </a:r>
             <a:endParaRPr lang="ko-KR" altLang="en-US" dirty="0"/>
@@ -6247,35 +7431,35 @@
           <a:lstStyle/>
           <a:p>
             <a:r>
-              <a:rPr lang="ko-KR" altLang="en-US" sz="1050" dirty="0" smtClean="0"/>
+              <a:rPr lang="ko-KR" altLang="en-US" sz="1050" dirty="0"/>
               <a:t>보관 장소 </a:t>
             </a:r>
             <a:r>
-              <a:rPr lang="en-US" altLang="ko-KR" sz="1050" dirty="0" smtClean="0"/>
+              <a:rPr lang="en-US" altLang="ko-KR" sz="1050" dirty="0"/>
               <a:t>(</a:t>
             </a:r>
             <a:r>
-              <a:rPr lang="ko-KR" altLang="en-US" sz="1050" dirty="0" smtClean="0"/>
+              <a:rPr lang="ko-KR" altLang="en-US" sz="1050" dirty="0"/>
               <a:t>예시 </a:t>
             </a:r>
             <a:r>
-              <a:rPr lang="en-US" altLang="ko-KR" sz="1050" dirty="0" smtClean="0"/>
+              <a:rPr lang="en-US" altLang="ko-KR" sz="1050" dirty="0"/>
               <a:t>: yes24 e</a:t>
             </a:r>
             <a:r>
-              <a:rPr lang="ko-KR" altLang="en-US" sz="1050" dirty="0" smtClean="0"/>
+              <a:rPr lang="ko-KR" altLang="en-US" sz="1050" dirty="0"/>
               <a:t>북</a:t>
             </a:r>
             <a:r>
-              <a:rPr lang="en-US" altLang="ko-KR" sz="1050" dirty="0" smtClean="0"/>
+              <a:rPr lang="en-US" altLang="ko-KR" sz="1050" dirty="0"/>
               <a:t>, </a:t>
             </a:r>
             <a:r>
-              <a:rPr lang="ko-KR" altLang="en-US" sz="1050" dirty="0" smtClean="0"/>
+              <a:rPr lang="ko-KR" altLang="en-US" sz="1050" dirty="0"/>
               <a:t>집 서재</a:t>
             </a:r>
             <a:r>
-              <a:rPr lang="en-US" altLang="ko-KR" sz="1050" dirty="0" smtClean="0"/>
+              <a:rPr lang="en-US" altLang="ko-KR" sz="1050" dirty="0"/>
               <a:t>)</a:t>
             </a:r>
             <a:endParaRPr lang="ko-KR" altLang="en-US" sz="1050" dirty="0"/>
@@ -6346,11 +7530,11 @@
           <a:lstStyle/>
           <a:p>
             <a:r>
-              <a:rPr lang="ko-KR" altLang="en-US" sz="1100" dirty="0" smtClean="0"/>
+              <a:rPr lang="ko-KR" altLang="en-US" sz="1100" dirty="0"/>
               <a:t>자세한 정보</a:t>
             </a:r>
             <a:r>
-              <a:rPr lang="en-US" altLang="ko-KR" sz="1100" dirty="0" smtClean="0"/>
+              <a:rPr lang="en-US" altLang="ko-KR" sz="1100" dirty="0"/>
               <a:t>(a)</a:t>
             </a:r>
             <a:endParaRPr lang="ko-KR" altLang="en-US" sz="1100" dirty="0"/>
@@ -6421,10 +7605,160 @@
           <a:lstStyle/>
           <a:p>
             <a:r>
-              <a:rPr lang="ko-KR" altLang="en-US" sz="1100" dirty="0" smtClean="0"/>
+              <a:rPr lang="ko-KR" altLang="en-US" sz="1100" dirty="0"/>
               <a:t>수정하기</a:t>
             </a:r>
-            <a:endParaRPr lang="ko-KR" altLang="en-US" sz="1100" dirty="0"/>
+          </a:p>
+        </p:txBody>
+      </p:sp>
+      <p:sp>
+        <p:nvSpPr>
+          <p:cNvPr id="45" name="TextBox 44">
+            <a:extLst>
+              <a:ext uri="{FF2B5EF4-FFF2-40B4-BE49-F238E27FC236}">
+                <a16:creationId xmlns:a16="http://schemas.microsoft.com/office/drawing/2014/main" id="{C13F47BE-FE90-AAD7-20AD-8E9838356A44}"/>
+              </a:ext>
+            </a:extLst>
+          </p:cNvPr>
+          <p:cNvSpPr txBox="1"/>
+          <p:nvPr/>
+        </p:nvSpPr>
+        <p:spPr>
+          <a:xfrm>
+            <a:off x="931098" y="2619654"/>
+            <a:ext cx="1259346" cy="1277273"/>
+          </a:xfrm>
+          <a:prstGeom prst="rect">
+            <a:avLst/>
+          </a:prstGeom>
+          <a:noFill/>
+        </p:spPr>
+        <p:txBody>
+          <a:bodyPr wrap="square" rtlCol="0">
+            <a:spAutoFit/>
+          </a:bodyPr>
+          <a:lstStyle/>
+          <a:p>
+            <a:r>
+              <a:rPr lang="en-US" altLang="ko-KR" sz="1100" dirty="0">
+                <a:solidFill>
+                  <a:srgbClr val="FFFF00"/>
+                </a:solidFill>
+              </a:rPr>
+              <a:t>List&lt;</a:t>
+            </a:r>
+            <a:r>
+              <a:rPr lang="en-US" altLang="ko-KR" sz="1100" dirty="0" err="1">
+                <a:solidFill>
+                  <a:srgbClr val="FFFF00"/>
+                </a:solidFill>
+              </a:rPr>
+              <a:t>BookVO</a:t>
+            </a:r>
+            <a:r>
+              <a:rPr lang="en-US" altLang="ko-KR" sz="1100" dirty="0">
+                <a:solidFill>
+                  <a:srgbClr val="FFFF00"/>
+                </a:solidFill>
+              </a:rPr>
+              <a:t>&gt;</a:t>
+            </a:r>
+          </a:p>
+          <a:p>
+            <a:r>
+              <a:rPr lang="en-US" altLang="ko-KR" sz="1100" dirty="0" err="1">
+                <a:solidFill>
+                  <a:srgbClr val="FFFF00"/>
+                </a:solidFill>
+              </a:rPr>
+              <a:t>b_seq</a:t>
+            </a:r>
+            <a:r>
+              <a:rPr lang="en-US" altLang="ko-KR" sz="1100" dirty="0">
+                <a:solidFill>
+                  <a:srgbClr val="FFFF00"/>
+                </a:solidFill>
+              </a:rPr>
+              <a:t> &lt;PK&gt;</a:t>
+            </a:r>
+          </a:p>
+          <a:p>
+            <a:r>
+              <a:rPr lang="en-US" altLang="ko-KR" sz="1100" dirty="0" err="1">
+                <a:solidFill>
+                  <a:srgbClr val="FFFF00"/>
+                </a:solidFill>
+              </a:rPr>
+              <a:t>b_isbn</a:t>
+            </a:r>
+            <a:r>
+              <a:rPr lang="en-US" altLang="ko-KR" sz="1100" dirty="0">
+                <a:solidFill>
+                  <a:srgbClr val="FFFF00"/>
+                </a:solidFill>
+              </a:rPr>
+              <a:t> &lt;FK&gt;</a:t>
+            </a:r>
+          </a:p>
+          <a:p>
+            <a:r>
+              <a:rPr lang="en-US" altLang="ko-KR" sz="1100" dirty="0" err="1">
+                <a:solidFill>
+                  <a:srgbClr val="FFFF00"/>
+                </a:solidFill>
+              </a:rPr>
+              <a:t>b_phrase</a:t>
+            </a:r>
+            <a:endParaRPr lang="en-US" altLang="ko-KR" sz="1100" dirty="0">
+              <a:solidFill>
+                <a:srgbClr val="FFFF00"/>
+              </a:solidFill>
+            </a:endParaRPr>
+          </a:p>
+          <a:p>
+            <a:r>
+              <a:rPr lang="en-US" altLang="ko-KR" sz="1100" dirty="0" err="1">
+                <a:solidFill>
+                  <a:srgbClr val="FFFF00"/>
+                </a:solidFill>
+              </a:rPr>
+              <a:t>b_post</a:t>
+            </a:r>
+            <a:endParaRPr lang="en-US" altLang="ko-KR" sz="1100" dirty="0">
+              <a:solidFill>
+                <a:srgbClr val="FFFF00"/>
+              </a:solidFill>
+            </a:endParaRPr>
+          </a:p>
+          <a:p>
+            <a:r>
+              <a:rPr lang="en-US" altLang="ko-KR" sz="1100" dirty="0" err="1">
+                <a:solidFill>
+                  <a:srgbClr val="FFFF00"/>
+                </a:solidFill>
+              </a:rPr>
+              <a:t>b_page</a:t>
+            </a:r>
+            <a:endParaRPr lang="en-US" altLang="ko-KR" sz="1100" dirty="0">
+              <a:solidFill>
+                <a:srgbClr val="FFFF00"/>
+              </a:solidFill>
+            </a:endParaRPr>
+          </a:p>
+          <a:p>
+            <a:r>
+              <a:rPr lang="en-US" altLang="ko-KR" sz="1100" dirty="0" err="1">
+                <a:solidFill>
+                  <a:srgbClr val="FFFF00"/>
+                </a:solidFill>
+              </a:rPr>
+              <a:t>b_comp</a:t>
+            </a:r>
+            <a:endParaRPr lang="en-US" altLang="ko-KR" sz="1100" dirty="0">
+              <a:solidFill>
+                <a:srgbClr val="FFFF00"/>
+              </a:solidFill>
+            </a:endParaRPr>
           </a:p>
         </p:txBody>
       </p:sp>
@@ -6438,13 +7772,6 @@
   <p:clrMapOvr>
     <a:masterClrMapping/>
   </p:clrMapOvr>
-  <p:timing>
-    <p:tnLst>
-      <p:par>
-        <p:cTn id="1" dur="indefinite" restart="never" nodeType="tmRoot"/>
-      </p:par>
-    </p:tnLst>
-  </p:timing>
 </p:sld>
 </file>
 
@@ -6467,183 +7794,439 @@
       </p:grpSpPr>
       <p:sp>
         <p:nvSpPr>
-          <p:cNvPr id="5" name="직사각형 4"/>
-          <p:cNvSpPr/>
+          <p:cNvPr id="4" name="TextBox 3">
+            <a:extLst>
+              <a:ext uri="{FF2B5EF4-FFF2-40B4-BE49-F238E27FC236}">
+                <a16:creationId xmlns:a16="http://schemas.microsoft.com/office/drawing/2014/main" id="{405463AE-045A-E00E-60A1-53ADB2A7AD13}"/>
+              </a:ext>
+            </a:extLst>
+          </p:cNvPr>
+          <p:cNvSpPr txBox="1"/>
           <p:nvPr/>
         </p:nvSpPr>
         <p:spPr>
           <a:xfrm>
-            <a:off x="4625196" y="264703"/>
-            <a:ext cx="1725152" cy="1323439"/>
+            <a:off x="3545633" y="961054"/>
+            <a:ext cx="4702628" cy="646331"/>
           </a:xfrm>
           <a:prstGeom prst="rect">
             <a:avLst/>
           </a:prstGeom>
-        </p:spPr>
-        <p:txBody>
-          <a:bodyPr wrap="none">
+          <a:noFill/>
+        </p:spPr>
+        <p:txBody>
+          <a:bodyPr wrap="square" rtlCol="0">
             <a:spAutoFit/>
           </a:bodyPr>
           <a:lstStyle/>
           <a:p>
-            <a:r>
-              <a:rPr lang="en-US" altLang="ko-KR" sz="8000" dirty="0">
+            <a:pPr algn="ctr"/>
+            <a:r>
+              <a:rPr lang="en-US" altLang="ko-KR" sz="3600" dirty="0">
                 <a:solidFill>
                   <a:schemeClr val="bg1"/>
                 </a:solidFill>
-                <a:latin typeface="Nymphette" panose="02000505000000020000" pitchFamily="2" charset="0"/>
-                <a:ea typeface="빛의 계승자 Bold" panose="020B0600000101010101" pitchFamily="50" charset="-127"/>
-              </a:rPr>
-              <a:t>e</a:t>
-            </a:r>
-            <a:endParaRPr lang="ko-KR" altLang="en-US" sz="8000" dirty="0"/>
-          </a:p>
-        </p:txBody>
-      </p:sp>
-      <p:sp>
-        <p:nvSpPr>
-          <p:cNvPr id="4" name="직사각형 3"/>
-          <p:cNvSpPr/>
+                <a:latin typeface="Stencil BT" pitchFamily="2" charset="0"/>
+              </a:rPr>
+              <a:t>Letter Bunker</a:t>
+            </a:r>
+            <a:endParaRPr lang="ko-KR" altLang="en-US" sz="3600" dirty="0">
+              <a:solidFill>
+                <a:schemeClr val="bg1"/>
+              </a:solidFill>
+              <a:latin typeface="Stencil BT" pitchFamily="2" charset="0"/>
+            </a:endParaRPr>
+          </a:p>
+        </p:txBody>
+      </p:sp>
+      <p:sp>
+        <p:nvSpPr>
+          <p:cNvPr id="5" name="TextBox 4">
+            <a:extLst>
+              <a:ext uri="{FF2B5EF4-FFF2-40B4-BE49-F238E27FC236}">
+                <a16:creationId xmlns:a16="http://schemas.microsoft.com/office/drawing/2014/main" id="{8D855586-5CD4-8AAE-CF58-F5A5E026C678}"/>
+              </a:ext>
+            </a:extLst>
+          </p:cNvPr>
+          <p:cNvSpPr txBox="1"/>
           <p:nvPr/>
         </p:nvSpPr>
         <p:spPr>
           <a:xfrm>
-            <a:off x="6042542" y="750382"/>
-            <a:ext cx="1490863" cy="1323439"/>
+            <a:off x="931098" y="2619654"/>
+            <a:ext cx="4389840" cy="1954381"/>
           </a:xfrm>
           <a:prstGeom prst="rect">
             <a:avLst/>
           </a:prstGeom>
-        </p:spPr>
-        <p:txBody>
-          <a:bodyPr wrap="square">
+          <a:noFill/>
+        </p:spPr>
+        <p:txBody>
+          <a:bodyPr wrap="square" rtlCol="0">
             <a:spAutoFit/>
           </a:bodyPr>
           <a:lstStyle/>
           <a:p>
             <a:r>
-              <a:rPr lang="en-US" altLang="ko-KR" sz="8000" dirty="0">
-                <a:solidFill>
-                  <a:schemeClr val="bg1"/>
-                </a:solidFill>
-                <a:latin typeface="Nymphette" panose="02000505000000020000" pitchFamily="2" charset="0"/>
-                <a:ea typeface="빛의 계승자 Bold" panose="020B0600000101010101" pitchFamily="50" charset="-127"/>
-              </a:rPr>
-              <a:t>I</a:t>
-            </a:r>
-            <a:endParaRPr lang="ko-KR" altLang="en-US" sz="8000" dirty="0"/>
-          </a:p>
-        </p:txBody>
-      </p:sp>
-      <p:sp>
-        <p:nvSpPr>
-          <p:cNvPr id="2" name="제목 1"/>
-          <p:cNvSpPr>
-            <a:spLocks noGrp="1"/>
-          </p:cNvSpPr>
-          <p:nvPr>
-            <p:ph type="title"/>
-          </p:nvPr>
-        </p:nvSpPr>
-        <p:spPr>
-          <a:xfrm>
-            <a:off x="4396047" y="750382"/>
-            <a:ext cx="3426229" cy="1325563"/>
-          </a:xfrm>
-        </p:spPr>
-        <p:txBody>
-          <a:bodyPr/>
-          <a:lstStyle/>
-          <a:p>
-            <a:pPr algn="ctr"/>
-            <a:r>
-              <a:rPr lang="ko-KR" altLang="en-US" dirty="0" smtClean="0">
-                <a:solidFill>
-                  <a:schemeClr val="bg1"/>
-                </a:solidFill>
-                <a:latin typeface="빛의 계승자 Bold" panose="020B0600000101010101" pitchFamily="50" charset="-127"/>
-                <a:ea typeface="빛의 계승자 Bold" panose="020B0600000101010101" pitchFamily="50" charset="-127"/>
-              </a:rPr>
-              <a:t>빛과 소금</a:t>
-            </a:r>
-            <a:endParaRPr lang="ko-KR" altLang="en-US" dirty="0">
+              <a:rPr lang="en-US" altLang="ko-KR" sz="1100" dirty="0">
+                <a:solidFill>
+                  <a:srgbClr val="FFFF00"/>
+                </a:solidFill>
+              </a:rPr>
+              <a:t>DBMS</a:t>
+            </a:r>
+            <a:r>
+              <a:rPr lang="ko-KR" altLang="en-US" sz="1100" dirty="0">
+                <a:solidFill>
+                  <a:srgbClr val="FFFF00"/>
+                </a:solidFill>
+              </a:rPr>
+              <a:t> 이용하여 테마 구현하기</a:t>
+            </a:r>
+            <a:endParaRPr lang="en-US" altLang="ko-KR" sz="1100" dirty="0">
               <a:solidFill>
-                <a:schemeClr val="bg1"/>
+                <a:srgbClr val="FFFF00"/>
               </a:solidFill>
-              <a:latin typeface="빛의 계승자 Bold" panose="020B0600000101010101" pitchFamily="50" charset="-127"/>
-              <a:ea typeface="빛의 계승자 Bold" panose="020B0600000101010101" pitchFamily="50" charset="-127"/>
             </a:endParaRPr>
           </a:p>
-        </p:txBody>
-      </p:sp>
-      <p:sp>
-        <p:nvSpPr>
-          <p:cNvPr id="3" name="직사각형 2"/>
-          <p:cNvSpPr/>
+          <a:p>
+            <a:endParaRPr lang="en-US" altLang="ko-KR" sz="1100" dirty="0">
+              <a:solidFill>
+                <a:srgbClr val="FFFF00"/>
+              </a:solidFill>
+            </a:endParaRPr>
+          </a:p>
+          <a:p>
+            <a:r>
+              <a:rPr lang="ko-KR" altLang="en-US" sz="1100" dirty="0">
+                <a:solidFill>
+                  <a:srgbClr val="FFFF00"/>
+                </a:solidFill>
+              </a:rPr>
+              <a:t>가장 상위 </a:t>
+            </a:r>
+            <a:r>
+              <a:rPr lang="en-US" altLang="ko-KR" sz="1100" dirty="0">
+                <a:solidFill>
+                  <a:srgbClr val="FFFF00"/>
+                </a:solidFill>
+              </a:rPr>
+              <a:t>DIV</a:t>
+            </a:r>
+            <a:r>
+              <a:rPr lang="ko-KR" altLang="en-US" sz="1100" dirty="0">
+                <a:solidFill>
+                  <a:srgbClr val="FFFF00"/>
+                </a:solidFill>
+              </a:rPr>
+              <a:t> </a:t>
+            </a:r>
+            <a:r>
+              <a:rPr lang="en-US" altLang="ko-KR" sz="1100" dirty="0">
+                <a:solidFill>
+                  <a:srgbClr val="FFFF00"/>
+                </a:solidFill>
+              </a:rPr>
+              <a:t>class</a:t>
+            </a:r>
+            <a:r>
+              <a:rPr lang="ko-KR" altLang="en-US" sz="1100" dirty="0">
+                <a:solidFill>
+                  <a:srgbClr val="FFFF00"/>
+                </a:solidFill>
+              </a:rPr>
+              <a:t> 값을 </a:t>
+            </a:r>
+            <a:r>
+              <a:rPr lang="en-US" altLang="ko-KR" sz="1100" dirty="0">
+                <a:solidFill>
+                  <a:srgbClr val="FFFF00"/>
+                </a:solidFill>
+              </a:rPr>
+              <a:t>THEME </a:t>
+            </a:r>
+            <a:r>
+              <a:rPr lang="ko-KR" altLang="en-US" sz="1100" dirty="0">
+                <a:solidFill>
+                  <a:srgbClr val="FFFF00"/>
+                </a:solidFill>
+              </a:rPr>
+              <a:t>로 줘 조건을 부여</a:t>
+            </a:r>
+            <a:endParaRPr lang="en-US" altLang="ko-KR" sz="1100" dirty="0">
+              <a:solidFill>
+                <a:srgbClr val="FFFF00"/>
+              </a:solidFill>
+            </a:endParaRPr>
+          </a:p>
+          <a:p>
+            <a:endParaRPr lang="en-US" altLang="ko-KR" sz="1100" dirty="0">
+              <a:solidFill>
+                <a:srgbClr val="FFFF00"/>
+              </a:solidFill>
+            </a:endParaRPr>
+          </a:p>
+          <a:p>
+            <a:r>
+              <a:rPr lang="en-US" altLang="ko-KR" sz="1100" dirty="0">
+                <a:solidFill>
+                  <a:srgbClr val="FFFF00"/>
+                </a:solidFill>
+              </a:rPr>
+              <a:t>Style </a:t>
+            </a:r>
+            <a:r>
+              <a:rPr lang="ko-KR" altLang="en-US" sz="1100" dirty="0">
+                <a:solidFill>
+                  <a:srgbClr val="FFFF00"/>
+                </a:solidFill>
+              </a:rPr>
+              <a:t>태그를 </a:t>
+            </a:r>
+            <a:r>
+              <a:rPr lang="en-US" altLang="ko-KR" sz="1100" dirty="0">
+                <a:solidFill>
+                  <a:srgbClr val="FFFF00"/>
+                </a:solidFill>
+              </a:rPr>
+              <a:t>.${THEME} div </a:t>
+            </a:r>
+            <a:r>
+              <a:rPr lang="ko-KR" altLang="en-US" sz="1100" dirty="0" err="1">
+                <a:solidFill>
+                  <a:srgbClr val="FFFF00"/>
+                </a:solidFill>
+              </a:rPr>
+              <a:t>이런식으로</a:t>
+            </a:r>
+            <a:r>
+              <a:rPr lang="ko-KR" altLang="en-US" sz="1100" dirty="0">
+                <a:solidFill>
+                  <a:srgbClr val="FFFF00"/>
+                </a:solidFill>
+              </a:rPr>
+              <a:t> 주기</a:t>
+            </a:r>
+            <a:endParaRPr lang="en-US" altLang="ko-KR" sz="1100" dirty="0">
+              <a:solidFill>
+                <a:srgbClr val="FFFF00"/>
+              </a:solidFill>
+            </a:endParaRPr>
+          </a:p>
+          <a:p>
+            <a:endParaRPr lang="en-US" altLang="ko-KR" sz="1100" dirty="0">
+              <a:solidFill>
+                <a:srgbClr val="FFFF00"/>
+              </a:solidFill>
+            </a:endParaRPr>
+          </a:p>
+          <a:p>
+            <a:r>
+              <a:rPr lang="en-US" altLang="ko-KR" sz="1100" dirty="0">
+                <a:solidFill>
+                  <a:srgbClr val="FFFF00"/>
+                </a:solidFill>
+              </a:rPr>
+              <a:t>Value=“${</a:t>
+            </a:r>
+            <a:r>
+              <a:rPr lang="en-US" altLang="ko-KR" sz="1100" dirty="0" err="1">
+                <a:solidFill>
+                  <a:srgbClr val="FFFF00"/>
+                </a:solidFill>
+              </a:rPr>
+              <a:t>rootPath</a:t>
+            </a:r>
+            <a:r>
+              <a:rPr lang="en-US" altLang="ko-KR" sz="1100" dirty="0">
+                <a:solidFill>
+                  <a:srgbClr val="FFFF00"/>
+                </a:solidFill>
+              </a:rPr>
+              <a:t>}/theme?={red}”</a:t>
+            </a:r>
+          </a:p>
+          <a:p>
+            <a:endParaRPr lang="en-US" altLang="ko-KR" sz="1100" dirty="0">
+              <a:solidFill>
+                <a:srgbClr val="FFFF00"/>
+              </a:solidFill>
+            </a:endParaRPr>
+          </a:p>
+          <a:p>
+            <a:r>
+              <a:rPr lang="en-US" altLang="ko-KR" sz="1100" dirty="0">
+                <a:solidFill>
+                  <a:srgbClr val="FFFF00"/>
+                </a:solidFill>
+              </a:rPr>
+              <a:t>Return “redirect:/”</a:t>
+            </a:r>
+          </a:p>
+          <a:p>
+            <a:endParaRPr lang="en-US" altLang="ko-KR" sz="1100" dirty="0">
+              <a:solidFill>
+                <a:srgbClr val="FFFF00"/>
+              </a:solidFill>
+            </a:endParaRPr>
+          </a:p>
+          <a:p>
+            <a:r>
+              <a:rPr lang="en-US" altLang="ko-KR" sz="1100" dirty="0">
+                <a:solidFill>
+                  <a:srgbClr val="FFFF00"/>
+                </a:solidFill>
+              </a:rPr>
+              <a:t>Controller</a:t>
+            </a:r>
+            <a:r>
+              <a:rPr lang="ko-KR" altLang="en-US" sz="1100" dirty="0">
+                <a:solidFill>
+                  <a:srgbClr val="FFFF00"/>
+                </a:solidFill>
+              </a:rPr>
+              <a:t>에서는 </a:t>
+            </a:r>
+            <a:r>
+              <a:rPr lang="en-US" altLang="ko-KR" sz="1100" dirty="0" err="1">
+                <a:solidFill>
+                  <a:srgbClr val="FFFF00"/>
+                </a:solidFill>
+              </a:rPr>
+              <a:t>model.addattribute</a:t>
+            </a:r>
+            <a:r>
+              <a:rPr lang="en-US" altLang="ko-KR" sz="1100" dirty="0">
+                <a:solidFill>
+                  <a:srgbClr val="FFFF00"/>
+                </a:solidFill>
+              </a:rPr>
+              <a:t>(“THEME”, themes)</a:t>
+            </a:r>
+          </a:p>
+        </p:txBody>
+      </p:sp>
+      <p:pic>
+        <p:nvPicPr>
+          <p:cNvPr id="7" name="그림 6">
+            <a:extLst>
+              <a:ext uri="{FF2B5EF4-FFF2-40B4-BE49-F238E27FC236}">
+                <a16:creationId xmlns:a16="http://schemas.microsoft.com/office/drawing/2014/main" id="{5E1FF270-1905-9585-2177-536F5C6F7D54}"/>
+              </a:ext>
+            </a:extLst>
+          </p:cNvPr>
+          <p:cNvPicPr>
+            <a:picLocks noChangeAspect="1"/>
+          </p:cNvPicPr>
           <p:nvPr/>
-        </p:nvSpPr>
-        <p:spPr>
-          <a:xfrm>
-            <a:off x="478449" y="2688215"/>
-            <a:ext cx="10610727" cy="3785652"/>
+        </p:nvPicPr>
+        <p:blipFill>
+          <a:blip r:embed="rId2"/>
+          <a:stretch>
+            <a:fillRect/>
+          </a:stretch>
+        </p:blipFill>
+        <p:spPr>
+          <a:xfrm>
+            <a:off x="931097" y="5068099"/>
+            <a:ext cx="4473328" cy="1036410"/>
           </a:xfrm>
           <a:prstGeom prst="rect">
             <a:avLst/>
           </a:prstGeom>
         </p:spPr>
-        <p:txBody>
-          <a:bodyPr wrap="square">
+      </p:pic>
+      <p:sp>
+        <p:nvSpPr>
+          <p:cNvPr id="9" name="TextBox 8">
+            <a:extLst>
+              <a:ext uri="{FF2B5EF4-FFF2-40B4-BE49-F238E27FC236}">
+                <a16:creationId xmlns:a16="http://schemas.microsoft.com/office/drawing/2014/main" id="{51EEDC70-C151-316F-DFA4-88FF170E7210}"/>
+              </a:ext>
+            </a:extLst>
+          </p:cNvPr>
+          <p:cNvSpPr txBox="1"/>
+          <p:nvPr/>
+        </p:nvSpPr>
+        <p:spPr>
+          <a:xfrm>
+            <a:off x="6617795" y="4191502"/>
+            <a:ext cx="1259346" cy="1277273"/>
+          </a:xfrm>
+          <a:prstGeom prst="rect">
+            <a:avLst/>
+          </a:prstGeom>
+          <a:noFill/>
+        </p:spPr>
+        <p:txBody>
+          <a:bodyPr wrap="square" rtlCol="0">
             <a:spAutoFit/>
           </a:bodyPr>
           <a:lstStyle/>
           <a:p>
             <a:r>
-              <a:rPr lang="en-US" altLang="ko-KR" sz="4800" dirty="0" smtClean="0">
-                <a:solidFill>
-                  <a:schemeClr val="bg1"/>
-                </a:solidFill>
-                <a:latin typeface="Nymphette" panose="02000505000000020000" pitchFamily="2" charset="0"/>
-                <a:ea typeface="빛의 계승자 Bold" panose="020B0600000101010101" pitchFamily="50" charset="-127"/>
-              </a:rPr>
-              <a:t>QWERTYUIOPASDFGHJKLZXCVBM  </a:t>
-            </a:r>
-            <a:r>
-              <a:rPr lang="en-US" altLang="ko-KR" sz="4800" dirty="0" err="1" smtClean="0">
-                <a:solidFill>
-                  <a:schemeClr val="bg1"/>
-                </a:solidFill>
-                <a:latin typeface="Nymphette" panose="02000505000000020000" pitchFamily="2" charset="0"/>
-                <a:ea typeface="빛의 계승자 Bold" panose="020B0600000101010101" pitchFamily="50" charset="-127"/>
-              </a:rPr>
-              <a:t>Qwertyuiopasdfghjklzxcvbnm</a:t>
-            </a:r>
-            <a:endParaRPr lang="en-US" altLang="ko-KR" sz="4800" dirty="0">
+              <a:rPr lang="en-US" altLang="ko-KR" sz="1100" dirty="0">
+                <a:solidFill>
+                  <a:srgbClr val="FFFF00"/>
+                </a:solidFill>
+              </a:rPr>
+              <a:t>Theme</a:t>
+            </a:r>
+          </a:p>
+          <a:p>
+            <a:endParaRPr lang="en-US" altLang="ko-KR" sz="1100" dirty="0">
               <a:solidFill>
-                <a:schemeClr val="bg1"/>
+                <a:srgbClr val="FFFF00"/>
               </a:solidFill>
-              <a:latin typeface="Nymphette" panose="02000505000000020000" pitchFamily="2" charset="0"/>
-              <a:ea typeface="빛의 계승자 Bold" panose="020B0600000101010101" pitchFamily="50" charset="-127"/>
             </a:endParaRPr>
           </a:p>
           <a:p>
             <a:r>
-              <a:rPr lang="en-US" altLang="ko-KR" sz="4800" dirty="0" smtClean="0">
-                <a:solidFill>
-                  <a:schemeClr val="bg1"/>
-                </a:solidFill>
-                <a:latin typeface="Nymphette" panose="02000505000000020000" pitchFamily="2" charset="0"/>
-                <a:ea typeface="빛의 계승자 Bold" panose="020B0600000101010101" pitchFamily="50" charset="-127"/>
-              </a:rPr>
-              <a:t>1234567890</a:t>
-            </a:r>
-            <a:endParaRPr lang="ko-KR" altLang="en-US" sz="4800" dirty="0"/>
+              <a:rPr lang="en-US" altLang="ko-KR" sz="1100" dirty="0">
+                <a:solidFill>
+                  <a:srgbClr val="FFFF00"/>
+                </a:solidFill>
+              </a:rPr>
+              <a:t>Basic</a:t>
+            </a:r>
+          </a:p>
+          <a:p>
+            <a:endParaRPr lang="en-US" altLang="ko-KR" sz="1100" dirty="0">
+              <a:solidFill>
+                <a:srgbClr val="FFFF00"/>
+              </a:solidFill>
+            </a:endParaRPr>
+          </a:p>
+          <a:p>
+            <a:r>
+              <a:rPr lang="en-US" altLang="ko-KR" sz="1100" dirty="0">
+                <a:solidFill>
+                  <a:srgbClr val="FFFF00"/>
+                </a:solidFill>
+              </a:rPr>
+              <a:t>Dark</a:t>
+            </a:r>
+          </a:p>
+          <a:p>
+            <a:endParaRPr lang="en-US" altLang="ko-KR" sz="1100" dirty="0">
+              <a:solidFill>
+                <a:srgbClr val="FFFF00"/>
+              </a:solidFill>
+            </a:endParaRPr>
+          </a:p>
+          <a:p>
+            <a:endParaRPr lang="en-US" altLang="ko-KR" sz="1100" dirty="0">
+              <a:solidFill>
+                <a:srgbClr val="FFFF00"/>
+              </a:solidFill>
+            </a:endParaRPr>
           </a:p>
         </p:txBody>
       </p:sp>
     </p:spTree>
     <p:extLst>
       <p:ext uri="{BB962C8B-B14F-4D97-AF65-F5344CB8AC3E}">
-        <p14:creationId xmlns:p14="http://schemas.microsoft.com/office/powerpoint/2010/main" val="3311029511"/>
+        <p14:creationId xmlns:p14="http://schemas.microsoft.com/office/powerpoint/2010/main" val="3891147066"/>
       </p:ext>
     </p:extLst>
   </p:cSld>
